--- a/00.공부 정리(최종)/12.Spring-Boot/06.유튜브_SpringBoot_Security_로그인_코딩레시피/01.유튜브_SpringBoot_Security_로그인_코딩레시피.pptx
+++ b/00.공부 정리(최종)/12.Spring-Boot/06.유튜브_SpringBoot_Security_로그인_코딩레시피/01.유튜브_SpringBoot_Security_로그인_코딩레시피.pptx
@@ -15,7 +15,12 @@
     <p:sldId id="434" r:id="rId9"/>
     <p:sldId id="428" r:id="rId10"/>
     <p:sldId id="436" r:id="rId11"/>
-    <p:sldId id="435" r:id="rId12"/>
+    <p:sldId id="437" r:id="rId12"/>
+    <p:sldId id="438" r:id="rId13"/>
+    <p:sldId id="439" r:id="rId14"/>
+    <p:sldId id="440" r:id="rId15"/>
+    <p:sldId id="441" r:id="rId16"/>
+    <p:sldId id="442" r:id="rId17"/>
   </p:sldIdLst>
   <p:sldSz cx="12192000" cy="6858000"/>
   <p:notesSz cx="6858000" cy="9144000"/>
@@ -125,7 +130,7 @@
 <file path=ppt/revisionInfo.xml><?xml version="1.0" encoding="utf-8"?>
 <p1510:revInfo xmlns:a="http://schemas.openxmlformats.org/drawingml/2006/main" xmlns:r="http://schemas.openxmlformats.org/officeDocument/2006/relationships" xmlns:p1510="http://schemas.microsoft.com/office/powerpoint/2015/10/main">
   <p1510:revLst>
-    <p1510:client id="{DFD941B1-2E23-44B7-99A6-A5765882C985}" v="30" dt="2024-01-16T12:54:08.625"/>
+    <p1510:client id="{DFD941B1-2E23-44B7-99A6-A5765882C985}" v="49" dt="2024-01-18T12:59:18.646"/>
   </p1510:revLst>
 </p1510:revInfo>
 </file>
@@ -3365,7 +3370,7 @@
   <pc:docChgLst>
     <pc:chgData name="범수 김" userId="863329ffd88cf9fc" providerId="LiveId" clId="{DFD941B1-2E23-44B7-99A6-A5765882C985}"/>
     <pc:docChg chg="undo custSel addSld delSld modSld sldOrd">
-      <pc:chgData name="범수 김" userId="863329ffd88cf9fc" providerId="LiveId" clId="{DFD941B1-2E23-44B7-99A6-A5765882C985}" dt="2024-01-16T12:55:45.121" v="1689" actId="20577"/>
+      <pc:chgData name="범수 김" userId="863329ffd88cf9fc" providerId="LiveId" clId="{DFD941B1-2E23-44B7-99A6-A5765882C985}" dt="2024-01-18T13:01:38.709" v="2846" actId="20577"/>
       <pc:docMkLst>
         <pc:docMk/>
       </pc:docMkLst>
@@ -3714,12 +3719,28 @@
           <pc:sldMk cId="3961147248" sldId="434"/>
         </pc:sldMkLst>
       </pc:sldChg>
-      <pc:sldChg chg="add">
-        <pc:chgData name="범수 김" userId="863329ffd88cf9fc" providerId="LiveId" clId="{DFD941B1-2E23-44B7-99A6-A5765882C985}" dt="2024-01-16T12:50:22.292" v="949"/>
+      <pc:sldChg chg="addSp modSp add del mod">
+        <pc:chgData name="범수 김" userId="863329ffd88cf9fc" providerId="LiveId" clId="{DFD941B1-2E23-44B7-99A6-A5765882C985}" dt="2024-01-18T12:43:30.496" v="1744" actId="47"/>
         <pc:sldMkLst>
           <pc:docMk/>
           <pc:sldMk cId="1205776635" sldId="435"/>
         </pc:sldMkLst>
+        <pc:spChg chg="mod">
+          <ac:chgData name="범수 김" userId="863329ffd88cf9fc" providerId="LiveId" clId="{DFD941B1-2E23-44B7-99A6-A5765882C985}" dt="2024-01-18T12:40:16.843" v="1691" actId="20577"/>
+          <ac:spMkLst>
+            <pc:docMk/>
+            <pc:sldMk cId="1205776635" sldId="435"/>
+            <ac:spMk id="5" creationId="{A389414F-66B7-1262-7F78-D45BD7660CF6}"/>
+          </ac:spMkLst>
+        </pc:spChg>
+        <pc:picChg chg="add mod">
+          <ac:chgData name="범수 김" userId="863329ffd88cf9fc" providerId="LiveId" clId="{DFD941B1-2E23-44B7-99A6-A5765882C985}" dt="2024-01-18T12:43:08.516" v="1693" actId="1076"/>
+          <ac:picMkLst>
+            <pc:docMk/>
+            <pc:sldMk cId="1205776635" sldId="435"/>
+            <ac:picMk id="3" creationId="{3D76EBAF-C438-5B01-99BE-9D79DDDC75FF}"/>
+          </ac:picMkLst>
+        </pc:picChg>
       </pc:sldChg>
       <pc:sldChg chg="del">
         <pc:chgData name="범수 김" userId="863329ffd88cf9fc" providerId="LiveId" clId="{DFD941B1-2E23-44B7-99A6-A5765882C985}" dt="2024-01-15T12:42:42.528" v="0" actId="47"/>
@@ -3821,6 +3842,187 @@
           <pc:sldMk cId="592202867" sldId="437"/>
         </pc:sldMkLst>
       </pc:sldChg>
+      <pc:sldChg chg="delSp modSp add mod ord">
+        <pc:chgData name="범수 김" userId="863329ffd88cf9fc" providerId="LiveId" clId="{DFD941B1-2E23-44B7-99A6-A5765882C985}" dt="2024-01-18T12:43:32.169" v="1745" actId="478"/>
+        <pc:sldMkLst>
+          <pc:docMk/>
+          <pc:sldMk cId="3139717360" sldId="437"/>
+        </pc:sldMkLst>
+        <pc:spChg chg="mod">
+          <ac:chgData name="범수 김" userId="863329ffd88cf9fc" providerId="LiveId" clId="{DFD941B1-2E23-44B7-99A6-A5765882C985}" dt="2024-01-18T12:43:25.364" v="1740" actId="12789"/>
+          <ac:spMkLst>
+            <pc:docMk/>
+            <pc:sldMk cId="3139717360" sldId="437"/>
+            <ac:spMk id="5" creationId="{A389414F-66B7-1262-7F78-D45BD7660CF6}"/>
+          </ac:spMkLst>
+        </pc:spChg>
+        <pc:picChg chg="del">
+          <ac:chgData name="범수 김" userId="863329ffd88cf9fc" providerId="LiveId" clId="{DFD941B1-2E23-44B7-99A6-A5765882C985}" dt="2024-01-18T12:43:32.169" v="1745" actId="478"/>
+          <ac:picMkLst>
+            <pc:docMk/>
+            <pc:sldMk cId="3139717360" sldId="437"/>
+            <ac:picMk id="3" creationId="{3D76EBAF-C438-5B01-99BE-9D79DDDC75FF}"/>
+          </ac:picMkLst>
+        </pc:picChg>
+      </pc:sldChg>
+      <pc:sldChg chg="addSp modSp add mod">
+        <pc:chgData name="범수 김" userId="863329ffd88cf9fc" providerId="LiveId" clId="{DFD941B1-2E23-44B7-99A6-A5765882C985}" dt="2024-01-18T12:45:14.468" v="1780" actId="14100"/>
+        <pc:sldMkLst>
+          <pc:docMk/>
+          <pc:sldMk cId="1112292644" sldId="438"/>
+        </pc:sldMkLst>
+        <pc:spChg chg="add mod">
+          <ac:chgData name="범수 김" userId="863329ffd88cf9fc" providerId="LiveId" clId="{DFD941B1-2E23-44B7-99A6-A5765882C985}" dt="2024-01-18T12:44:03.608" v="1765" actId="164"/>
+          <ac:spMkLst>
+            <pc:docMk/>
+            <pc:sldMk cId="1112292644" sldId="438"/>
+            <ac:spMk id="2" creationId="{8DA1F4E9-2C5C-95DB-6050-097E277550AD}"/>
+          </ac:spMkLst>
+        </pc:spChg>
+        <pc:spChg chg="add mod">
+          <ac:chgData name="범수 김" userId="863329ffd88cf9fc" providerId="LiveId" clId="{DFD941B1-2E23-44B7-99A6-A5765882C985}" dt="2024-01-18T12:44:03.608" v="1765" actId="164"/>
+          <ac:spMkLst>
+            <pc:docMk/>
+            <pc:sldMk cId="1112292644" sldId="438"/>
+            <ac:spMk id="4" creationId="{6DCA9EBE-5C5F-6AA0-B254-E24CDAD4FB76}"/>
+          </ac:spMkLst>
+        </pc:spChg>
+        <pc:spChg chg="mod">
+          <ac:chgData name="범수 김" userId="863329ffd88cf9fc" providerId="LiveId" clId="{DFD941B1-2E23-44B7-99A6-A5765882C985}" dt="2024-01-18T12:43:37.503" v="1752" actId="1076"/>
+          <ac:spMkLst>
+            <pc:docMk/>
+            <pc:sldMk cId="1112292644" sldId="438"/>
+            <ac:spMk id="5" creationId="{A389414F-66B7-1262-7F78-D45BD7660CF6}"/>
+          </ac:spMkLst>
+        </pc:spChg>
+        <pc:spChg chg="add mod">
+          <ac:chgData name="범수 김" userId="863329ffd88cf9fc" providerId="LiveId" clId="{DFD941B1-2E23-44B7-99A6-A5765882C985}" dt="2024-01-18T12:45:14.468" v="1780" actId="14100"/>
+          <ac:spMkLst>
+            <pc:docMk/>
+            <pc:sldMk cId="1112292644" sldId="438"/>
+            <ac:spMk id="6" creationId="{9D5A8D10-4BCD-D384-FDB0-45AFB0226B1C}"/>
+          </ac:spMkLst>
+        </pc:spChg>
+        <pc:grpChg chg="add mod">
+          <ac:chgData name="범수 김" userId="863329ffd88cf9fc" providerId="LiveId" clId="{DFD941B1-2E23-44B7-99A6-A5765882C985}" dt="2024-01-18T12:44:03.608" v="1765" actId="164"/>
+          <ac:grpSpMkLst>
+            <pc:docMk/>
+            <pc:sldMk cId="1112292644" sldId="438"/>
+            <ac:grpSpMk id="7" creationId="{CF6241FD-EAB8-79E6-728C-8320177B0D85}"/>
+          </ac:grpSpMkLst>
+        </pc:grpChg>
+        <pc:picChg chg="mod">
+          <ac:chgData name="범수 김" userId="863329ffd88cf9fc" providerId="LiveId" clId="{DFD941B1-2E23-44B7-99A6-A5765882C985}" dt="2024-01-18T12:44:03.608" v="1765" actId="164"/>
+          <ac:picMkLst>
+            <pc:docMk/>
+            <pc:sldMk cId="1112292644" sldId="438"/>
+            <ac:picMk id="3" creationId="{3D76EBAF-C438-5B01-99BE-9D79DDDC75FF}"/>
+          </ac:picMkLst>
+        </pc:picChg>
+      </pc:sldChg>
+      <pc:sldChg chg="addSp delSp modSp add mod">
+        <pc:chgData name="범수 김" userId="863329ffd88cf9fc" providerId="LiveId" clId="{DFD941B1-2E23-44B7-99A6-A5765882C985}" dt="2024-01-18T12:45:41.101" v="1834" actId="1076"/>
+        <pc:sldMkLst>
+          <pc:docMk/>
+          <pc:sldMk cId="340196415" sldId="439"/>
+        </pc:sldMkLst>
+        <pc:spChg chg="del">
+          <ac:chgData name="범수 김" userId="863329ffd88cf9fc" providerId="LiveId" clId="{DFD941B1-2E23-44B7-99A6-A5765882C985}" dt="2024-01-18T12:44:53.164" v="1769" actId="21"/>
+          <ac:spMkLst>
+            <pc:docMk/>
+            <pc:sldMk cId="340196415" sldId="439"/>
+            <ac:spMk id="2" creationId="{8DA1F4E9-2C5C-95DB-6050-097E277550AD}"/>
+          </ac:spMkLst>
+        </pc:spChg>
+        <pc:spChg chg="del">
+          <ac:chgData name="범수 김" userId="863329ffd88cf9fc" providerId="LiveId" clId="{DFD941B1-2E23-44B7-99A6-A5765882C985}" dt="2024-01-18T12:44:53.164" v="1769" actId="21"/>
+          <ac:spMkLst>
+            <pc:docMk/>
+            <pc:sldMk cId="340196415" sldId="439"/>
+            <ac:spMk id="4" creationId="{6DCA9EBE-5C5F-6AA0-B254-E24CDAD4FB76}"/>
+          </ac:spMkLst>
+        </pc:spChg>
+        <pc:spChg chg="del">
+          <ac:chgData name="범수 김" userId="863329ffd88cf9fc" providerId="LiveId" clId="{DFD941B1-2E23-44B7-99A6-A5765882C985}" dt="2024-01-18T12:44:53.164" v="1769" actId="21"/>
+          <ac:spMkLst>
+            <pc:docMk/>
+            <pc:sldMk cId="340196415" sldId="439"/>
+            <ac:spMk id="6" creationId="{9D5A8D10-4BCD-D384-FDB0-45AFB0226B1C}"/>
+          </ac:spMkLst>
+        </pc:spChg>
+        <pc:spChg chg="add del mod">
+          <ac:chgData name="범수 김" userId="863329ffd88cf9fc" providerId="LiveId" clId="{DFD941B1-2E23-44B7-99A6-A5765882C985}" dt="2024-01-18T12:45:04.626" v="1775" actId="478"/>
+          <ac:spMkLst>
+            <pc:docMk/>
+            <pc:sldMk cId="340196415" sldId="439"/>
+            <ac:spMk id="9" creationId="{8DA1F4E9-2C5C-95DB-6050-097E277550AD}"/>
+          </ac:spMkLst>
+        </pc:spChg>
+        <pc:spChg chg="add del mod">
+          <ac:chgData name="범수 김" userId="863329ffd88cf9fc" providerId="LiveId" clId="{DFD941B1-2E23-44B7-99A6-A5765882C985}" dt="2024-01-18T12:45:09.220" v="1778" actId="164"/>
+          <ac:spMkLst>
+            <pc:docMk/>
+            <pc:sldMk cId="340196415" sldId="439"/>
+            <ac:spMk id="10" creationId="{6DCA9EBE-5C5F-6AA0-B254-E24CDAD4FB76}"/>
+          </ac:spMkLst>
+        </pc:spChg>
+        <pc:spChg chg="add del mod">
+          <ac:chgData name="범수 김" userId="863329ffd88cf9fc" providerId="LiveId" clId="{DFD941B1-2E23-44B7-99A6-A5765882C985}" dt="2024-01-18T12:45:03.406" v="1774" actId="478"/>
+          <ac:spMkLst>
+            <pc:docMk/>
+            <pc:sldMk cId="340196415" sldId="439"/>
+            <ac:spMk id="11" creationId="{9D5A8D10-4BCD-D384-FDB0-45AFB0226B1C}"/>
+          </ac:spMkLst>
+        </pc:spChg>
+        <pc:spChg chg="add mod">
+          <ac:chgData name="범수 김" userId="863329ffd88cf9fc" providerId="LiveId" clId="{DFD941B1-2E23-44B7-99A6-A5765882C985}" dt="2024-01-18T12:45:24.819" v="1783" actId="164"/>
+          <ac:spMkLst>
+            <pc:docMk/>
+            <pc:sldMk cId="340196415" sldId="439"/>
+            <ac:spMk id="13" creationId="{2DB73DF8-76C1-CFBE-E436-EADFDA3BA4D0}"/>
+          </ac:spMkLst>
+        </pc:spChg>
+        <pc:spChg chg="add mod">
+          <ac:chgData name="범수 김" userId="863329ffd88cf9fc" providerId="LiveId" clId="{DFD941B1-2E23-44B7-99A6-A5765882C985}" dt="2024-01-18T12:45:41.101" v="1834" actId="1076"/>
+          <ac:spMkLst>
+            <pc:docMk/>
+            <pc:sldMk cId="340196415" sldId="439"/>
+            <ac:spMk id="15" creationId="{C0BD0390-59EF-604E-E479-03D58DCB838F}"/>
+          </ac:spMkLst>
+        </pc:spChg>
+        <pc:grpChg chg="add mod">
+          <ac:chgData name="범수 김" userId="863329ffd88cf9fc" providerId="LiveId" clId="{DFD941B1-2E23-44B7-99A6-A5765882C985}" dt="2024-01-18T12:45:24.819" v="1783" actId="164"/>
+          <ac:grpSpMkLst>
+            <pc:docMk/>
+            <pc:sldMk cId="340196415" sldId="439"/>
+            <ac:grpSpMk id="12" creationId="{40972E42-0C47-F739-7266-3B200D337CBE}"/>
+          </ac:grpSpMkLst>
+        </pc:grpChg>
+        <pc:grpChg chg="add mod">
+          <ac:chgData name="범수 김" userId="863329ffd88cf9fc" providerId="LiveId" clId="{DFD941B1-2E23-44B7-99A6-A5765882C985}" dt="2024-01-18T12:45:28.891" v="1785" actId="1076"/>
+          <ac:grpSpMkLst>
+            <pc:docMk/>
+            <pc:sldMk cId="340196415" sldId="439"/>
+            <ac:grpSpMk id="14" creationId="{20C5BB92-CDBD-D87F-6C29-46DE288A434B}"/>
+          </ac:grpSpMkLst>
+        </pc:grpChg>
+        <pc:picChg chg="del">
+          <ac:chgData name="범수 김" userId="863329ffd88cf9fc" providerId="LiveId" clId="{DFD941B1-2E23-44B7-99A6-A5765882C985}" dt="2024-01-18T12:44:49.232" v="1766" actId="478"/>
+          <ac:picMkLst>
+            <pc:docMk/>
+            <pc:sldMk cId="340196415" sldId="439"/>
+            <ac:picMk id="3" creationId="{3D76EBAF-C438-5B01-99BE-9D79DDDC75FF}"/>
+          </ac:picMkLst>
+        </pc:picChg>
+        <pc:picChg chg="add mod">
+          <ac:chgData name="범수 김" userId="863329ffd88cf9fc" providerId="LiveId" clId="{DFD941B1-2E23-44B7-99A6-A5765882C985}" dt="2024-01-18T12:45:09.220" v="1778" actId="164"/>
+          <ac:picMkLst>
+            <pc:docMk/>
+            <pc:sldMk cId="340196415" sldId="439"/>
+            <ac:picMk id="8" creationId="{1AD122F6-5BB0-9F1C-47D2-F8E846F2961D}"/>
+          </ac:picMkLst>
+        </pc:picChg>
+      </pc:sldChg>
       <pc:sldChg chg="del">
         <pc:chgData name="범수 김" userId="863329ffd88cf9fc" providerId="LiveId" clId="{DFD941B1-2E23-44B7-99A6-A5765882C985}" dt="2024-01-15T12:42:42.528" v="0" actId="47"/>
         <pc:sldMkLst>
@@ -3828,6 +4030,21 @@
           <pc:sldMk cId="3913869568" sldId="439"/>
         </pc:sldMkLst>
       </pc:sldChg>
+      <pc:sldChg chg="modSp add mod">
+        <pc:chgData name="범수 김" userId="863329ffd88cf9fc" providerId="LiveId" clId="{DFD941B1-2E23-44B7-99A6-A5765882C985}" dt="2024-01-18T13:01:38.709" v="2846" actId="20577"/>
+        <pc:sldMkLst>
+          <pc:docMk/>
+          <pc:sldMk cId="2889937135" sldId="440"/>
+        </pc:sldMkLst>
+        <pc:spChg chg="mod">
+          <ac:chgData name="범수 김" userId="863329ffd88cf9fc" providerId="LiveId" clId="{DFD941B1-2E23-44B7-99A6-A5765882C985}" dt="2024-01-18T13:01:38.709" v="2846" actId="20577"/>
+          <ac:spMkLst>
+            <pc:docMk/>
+            <pc:sldMk cId="2889937135" sldId="440"/>
+            <ac:spMk id="5" creationId="{A389414F-66B7-1262-7F78-D45BD7660CF6}"/>
+          </ac:spMkLst>
+        </pc:spChg>
+      </pc:sldChg>
       <pc:sldChg chg="del">
         <pc:chgData name="범수 김" userId="863329ffd88cf9fc" providerId="LiveId" clId="{DFD941B1-2E23-44B7-99A6-A5765882C985}" dt="2024-01-15T12:42:42.528" v="0" actId="47"/>
         <pc:sldMkLst>
@@ -3835,12 +4052,82 @@
           <pc:sldMk cId="3573512210" sldId="440"/>
         </pc:sldMkLst>
       </pc:sldChg>
+      <pc:sldChg chg="addSp modSp add mod">
+        <pc:chgData name="범수 김" userId="863329ffd88cf9fc" providerId="LiveId" clId="{DFD941B1-2E23-44B7-99A6-A5765882C985}" dt="2024-01-18T12:58:25.292" v="2645" actId="1076"/>
+        <pc:sldMkLst>
+          <pc:docMk/>
+          <pc:sldMk cId="695356167" sldId="441"/>
+        </pc:sldMkLst>
+        <pc:spChg chg="add mod">
+          <ac:chgData name="범수 김" userId="863329ffd88cf9fc" providerId="LiveId" clId="{DFD941B1-2E23-44B7-99A6-A5765882C985}" dt="2024-01-18T12:58:24.182" v="2644" actId="1076"/>
+          <ac:spMkLst>
+            <pc:docMk/>
+            <pc:sldMk cId="695356167" sldId="441"/>
+            <ac:spMk id="2" creationId="{28DB230A-1278-5D05-AA1E-7160EBF4D2BA}"/>
+          </ac:spMkLst>
+        </pc:spChg>
+        <pc:spChg chg="add mod">
+          <ac:chgData name="범수 김" userId="863329ffd88cf9fc" providerId="LiveId" clId="{DFD941B1-2E23-44B7-99A6-A5765882C985}" dt="2024-01-18T12:58:25.292" v="2645" actId="1076"/>
+          <ac:spMkLst>
+            <pc:docMk/>
+            <pc:sldMk cId="695356167" sldId="441"/>
+            <ac:spMk id="4" creationId="{9D0E745D-EDA7-9C44-4E76-79C2A8DC2D21}"/>
+          </ac:spMkLst>
+        </pc:spChg>
+        <pc:spChg chg="mod">
+          <ac:chgData name="범수 김" userId="863329ffd88cf9fc" providerId="LiveId" clId="{DFD941B1-2E23-44B7-99A6-A5765882C985}" dt="2024-01-18T12:55:36.365" v="1944" actId="1076"/>
+          <ac:spMkLst>
+            <pc:docMk/>
+            <pc:sldMk cId="695356167" sldId="441"/>
+            <ac:spMk id="5" creationId="{A389414F-66B7-1262-7F78-D45BD7660CF6}"/>
+          </ac:spMkLst>
+        </pc:spChg>
+      </pc:sldChg>
       <pc:sldChg chg="del">
         <pc:chgData name="범수 김" userId="863329ffd88cf9fc" providerId="LiveId" clId="{DFD941B1-2E23-44B7-99A6-A5765882C985}" dt="2024-01-15T12:42:42.528" v="0" actId="47"/>
         <pc:sldMkLst>
           <pc:docMk/>
           <pc:sldMk cId="2710561121" sldId="441"/>
         </pc:sldMkLst>
+      </pc:sldChg>
+      <pc:sldChg chg="addSp delSp modSp add mod">
+        <pc:chgData name="범수 김" userId="863329ffd88cf9fc" providerId="LiveId" clId="{DFD941B1-2E23-44B7-99A6-A5765882C985}" dt="2024-01-18T12:59:45.280" v="2790" actId="207"/>
+        <pc:sldMkLst>
+          <pc:docMk/>
+          <pc:sldMk cId="2808881816" sldId="442"/>
+        </pc:sldMkLst>
+        <pc:spChg chg="mod">
+          <ac:chgData name="범수 김" userId="863329ffd88cf9fc" providerId="LiveId" clId="{DFD941B1-2E23-44B7-99A6-A5765882C985}" dt="2024-01-18T12:59:45.280" v="2790" actId="207"/>
+          <ac:spMkLst>
+            <pc:docMk/>
+            <pc:sldMk cId="2808881816" sldId="442"/>
+            <ac:spMk id="2" creationId="{28DB230A-1278-5D05-AA1E-7160EBF4D2BA}"/>
+          </ac:spMkLst>
+        </pc:spChg>
+        <pc:spChg chg="add del mod">
+          <ac:chgData name="범수 김" userId="863329ffd88cf9fc" providerId="LiveId" clId="{DFD941B1-2E23-44B7-99A6-A5765882C985}" dt="2024-01-18T12:59:00.171" v="2712" actId="478"/>
+          <ac:spMkLst>
+            <pc:docMk/>
+            <pc:sldMk cId="2808881816" sldId="442"/>
+            <ac:spMk id="3" creationId="{B1CA5374-7DF0-1DA6-B479-3DBE71B344D1}"/>
+          </ac:spMkLst>
+        </pc:spChg>
+        <pc:spChg chg="del">
+          <ac:chgData name="범수 김" userId="863329ffd88cf9fc" providerId="LiveId" clId="{DFD941B1-2E23-44B7-99A6-A5765882C985}" dt="2024-01-18T12:59:37.984" v="2789" actId="478"/>
+          <ac:spMkLst>
+            <pc:docMk/>
+            <pc:sldMk cId="2808881816" sldId="442"/>
+            <ac:spMk id="4" creationId="{9D0E745D-EDA7-9C44-4E76-79C2A8DC2D21}"/>
+          </ac:spMkLst>
+        </pc:spChg>
+        <pc:spChg chg="add mod">
+          <ac:chgData name="범수 김" userId="863329ffd88cf9fc" providerId="LiveId" clId="{DFD941B1-2E23-44B7-99A6-A5765882C985}" dt="2024-01-18T12:59:21.681" v="2714" actId="21"/>
+          <ac:spMkLst>
+            <pc:docMk/>
+            <pc:sldMk cId="2808881816" sldId="442"/>
+            <ac:spMk id="6" creationId="{775847C2-EA81-0531-6E0F-7A6DE722BAAF}"/>
+          </ac:spMkLst>
+        </pc:spChg>
       </pc:sldChg>
     </pc:docChg>
   </pc:docChgLst>
@@ -3994,7 +4281,7 @@
           <a:p>
             <a:fld id="{B8DBC30E-0DE6-48DA-9112-69415C9BC134}" type="datetimeFigureOut">
               <a:rPr lang="ko-KR" altLang="en-US" smtClean="0"/>
-              <a:t>2024-01-16</a:t>
+              <a:t>2024-01-18</a:t>
             </a:fld>
             <a:endParaRPr lang="ko-KR" altLang="en-US"/>
           </a:p>
@@ -4192,7 +4479,7 @@
           <a:p>
             <a:fld id="{B8DBC30E-0DE6-48DA-9112-69415C9BC134}" type="datetimeFigureOut">
               <a:rPr lang="ko-KR" altLang="en-US" smtClean="0"/>
-              <a:t>2024-01-16</a:t>
+              <a:t>2024-01-18</a:t>
             </a:fld>
             <a:endParaRPr lang="ko-KR" altLang="en-US"/>
           </a:p>
@@ -4400,7 +4687,7 @@
           <a:p>
             <a:fld id="{B8DBC30E-0DE6-48DA-9112-69415C9BC134}" type="datetimeFigureOut">
               <a:rPr lang="ko-KR" altLang="en-US" smtClean="0"/>
-              <a:t>2024-01-16</a:t>
+              <a:t>2024-01-18</a:t>
             </a:fld>
             <a:endParaRPr lang="ko-KR" altLang="en-US"/>
           </a:p>
@@ -4598,7 +4885,7 @@
           <a:p>
             <a:fld id="{B8DBC30E-0DE6-48DA-9112-69415C9BC134}" type="datetimeFigureOut">
               <a:rPr lang="ko-KR" altLang="en-US" smtClean="0"/>
-              <a:t>2024-01-16</a:t>
+              <a:t>2024-01-18</a:t>
             </a:fld>
             <a:endParaRPr lang="ko-KR" altLang="en-US"/>
           </a:p>
@@ -4873,7 +5160,7 @@
           <a:p>
             <a:fld id="{B8DBC30E-0DE6-48DA-9112-69415C9BC134}" type="datetimeFigureOut">
               <a:rPr lang="ko-KR" altLang="en-US" smtClean="0"/>
-              <a:t>2024-01-16</a:t>
+              <a:t>2024-01-18</a:t>
             </a:fld>
             <a:endParaRPr lang="ko-KR" altLang="en-US"/>
           </a:p>
@@ -5138,7 +5425,7 @@
           <a:p>
             <a:fld id="{B8DBC30E-0DE6-48DA-9112-69415C9BC134}" type="datetimeFigureOut">
               <a:rPr lang="ko-KR" altLang="en-US" smtClean="0"/>
-              <a:t>2024-01-16</a:t>
+              <a:t>2024-01-18</a:t>
             </a:fld>
             <a:endParaRPr lang="ko-KR" altLang="en-US"/>
           </a:p>
@@ -5550,7 +5837,7 @@
           <a:p>
             <a:fld id="{B8DBC30E-0DE6-48DA-9112-69415C9BC134}" type="datetimeFigureOut">
               <a:rPr lang="ko-KR" altLang="en-US" smtClean="0"/>
-              <a:t>2024-01-16</a:t>
+              <a:t>2024-01-18</a:t>
             </a:fld>
             <a:endParaRPr lang="ko-KR" altLang="en-US"/>
           </a:p>
@@ -5691,7 +5978,7 @@
           <a:p>
             <a:fld id="{B8DBC30E-0DE6-48DA-9112-69415C9BC134}" type="datetimeFigureOut">
               <a:rPr lang="ko-KR" altLang="en-US" smtClean="0"/>
-              <a:t>2024-01-16</a:t>
+              <a:t>2024-01-18</a:t>
             </a:fld>
             <a:endParaRPr lang="ko-KR" altLang="en-US"/>
           </a:p>
@@ -5804,7 +6091,7 @@
           <a:p>
             <a:fld id="{B8DBC30E-0DE6-48DA-9112-69415C9BC134}" type="datetimeFigureOut">
               <a:rPr lang="ko-KR" altLang="en-US" smtClean="0"/>
-              <a:t>2024-01-16</a:t>
+              <a:t>2024-01-18</a:t>
             </a:fld>
             <a:endParaRPr lang="ko-KR" altLang="en-US"/>
           </a:p>
@@ -6115,7 +6402,7 @@
           <a:p>
             <a:fld id="{B8DBC30E-0DE6-48DA-9112-69415C9BC134}" type="datetimeFigureOut">
               <a:rPr lang="ko-KR" altLang="en-US" smtClean="0"/>
-              <a:t>2024-01-16</a:t>
+              <a:t>2024-01-18</a:t>
             </a:fld>
             <a:endParaRPr lang="ko-KR" altLang="en-US"/>
           </a:p>
@@ -6403,7 +6690,7 @@
           <a:p>
             <a:fld id="{B8DBC30E-0DE6-48DA-9112-69415C9BC134}" type="datetimeFigureOut">
               <a:rPr lang="ko-KR" altLang="en-US" smtClean="0"/>
-              <a:t>2024-01-16</a:t>
+              <a:t>2024-01-18</a:t>
             </a:fld>
             <a:endParaRPr lang="ko-KR" altLang="en-US"/>
           </a:p>
@@ -6644,7 +6931,7 @@
           <a:p>
             <a:fld id="{B8DBC30E-0DE6-48DA-9112-69415C9BC134}" type="datetimeFigureOut">
               <a:rPr lang="ko-KR" altLang="en-US" smtClean="0"/>
-              <a:t>2024-01-16</a:t>
+              <a:t>2024-01-18</a:t>
             </a:fld>
             <a:endParaRPr lang="ko-KR" altLang="en-US"/>
           </a:p>
@@ -7977,8 +8264,8 @@
         </p:nvSpPr>
         <p:spPr>
           <a:xfrm>
-            <a:off x="5597306" y="3075057"/>
-            <a:ext cx="997389" cy="707886"/>
+            <a:off x="3264937" y="2767281"/>
+            <a:ext cx="5662127" cy="1323439"/>
           </a:xfrm>
           <a:prstGeom prst="rect">
             <a:avLst/>
@@ -8007,7 +8294,7 @@
                 <a:latin typeface="에스코어 드림 6 Bold" panose="020B0703030302020204" pitchFamily="34" charset="-127"/>
                 <a:ea typeface="에스코어 드림 6 Bold" panose="020B0703030302020204" pitchFamily="34" charset="-127"/>
               </a:rPr>
-              <a:t>3</a:t>
+              <a:t>4</a:t>
             </a:r>
             <a:r>
               <a:rPr lang="ko-KR" altLang="en-US" sz="4000" dirty="0">
@@ -8017,7 +8304,40 @@
                 <a:latin typeface="에스코어 드림 6 Bold" panose="020B0703030302020204" pitchFamily="34" charset="-127"/>
                 <a:ea typeface="에스코어 드림 6 Bold" panose="020B0703030302020204" pitchFamily="34" charset="-127"/>
               </a:rPr>
-              <a:t>강</a:t>
+              <a:t>강 </a:t>
+            </a:r>
+            <a:r>
+              <a:rPr lang="en-US" altLang="ko-KR" sz="4000" dirty="0">
+                <a:solidFill>
+                  <a:schemeClr val="bg1"/>
+                </a:solidFill>
+                <a:latin typeface="에스코어 드림 6 Bold" panose="020B0703030302020204" pitchFamily="34" charset="-127"/>
+                <a:ea typeface="에스코어 드림 6 Bold" panose="020B0703030302020204" pitchFamily="34" charset="-127"/>
+              </a:rPr>
+              <a:t>(1:00)</a:t>
+            </a:r>
+          </a:p>
+          <a:p>
+            <a:pPr algn="ctr"/>
+            <a:r>
+              <a:rPr lang="en-US" altLang="ko-KR" sz="4000" dirty="0">
+                <a:solidFill>
+                  <a:schemeClr val="bg1"/>
+                </a:solidFill>
+                <a:latin typeface="에스코어 드림 6 Bold" panose="020B0703030302020204" pitchFamily="34" charset="-127"/>
+                <a:ea typeface="에스코어 드림 6 Bold" panose="020B0703030302020204" pitchFamily="34" charset="-127"/>
+              </a:rPr>
+              <a:t>Project View </a:t>
+            </a:r>
+            <a:r>
+              <a:rPr lang="ko-KR" altLang="en-US" sz="4000" dirty="0">
+                <a:solidFill>
+                  <a:schemeClr val="bg1"/>
+                </a:solidFill>
+                <a:latin typeface="에스코어 드림 6 Bold" panose="020B0703030302020204" pitchFamily="34" charset="-127"/>
+                <a:ea typeface="에스코어 드림 6 Bold" panose="020B0703030302020204" pitchFamily="34" charset="-127"/>
+              </a:rPr>
+              <a:t>구조 변경</a:t>
             </a:r>
           </a:p>
         </p:txBody>
@@ -8025,7 +8345,1703 @@
     </p:spTree>
     <p:extLst>
       <p:ext uri="{BB962C8B-B14F-4D97-AF65-F5344CB8AC3E}">
-        <p14:creationId xmlns:p14="http://schemas.microsoft.com/office/powerpoint/2010/main" val="1205776635"/>
+        <p14:creationId xmlns:p14="http://schemas.microsoft.com/office/powerpoint/2010/main" val="3139717360"/>
+      </p:ext>
+    </p:extLst>
+  </p:cSld>
+  <p:clrMapOvr>
+    <a:masterClrMapping/>
+  </p:clrMapOvr>
+</p:sld>
+</file>
+
+<file path=ppt/slides/slide12.xml><?xml version="1.0" encoding="utf-8"?>
+<p:sld xmlns:a="http://schemas.openxmlformats.org/drawingml/2006/main" xmlns:r="http://schemas.openxmlformats.org/officeDocument/2006/relationships" xmlns:p="http://schemas.openxmlformats.org/presentationml/2006/main">
+  <p:cSld>
+    <p:spTree>
+      <p:nvGrpSpPr>
+        <p:cNvPr id="1" name=""/>
+        <p:cNvGrpSpPr/>
+        <p:nvPr/>
+      </p:nvGrpSpPr>
+      <p:grpSpPr>
+        <a:xfrm>
+          <a:off x="0" y="0"/>
+          <a:ext cx="0" cy="0"/>
+          <a:chOff x="0" y="0"/>
+          <a:chExt cx="0" cy="0"/>
+        </a:xfrm>
+      </p:grpSpPr>
+      <p:sp>
+        <p:nvSpPr>
+          <p:cNvPr id="5" name="TextBox 4">
+            <a:extLst>
+              <a:ext uri="{FF2B5EF4-FFF2-40B4-BE49-F238E27FC236}">
+                <a16:creationId xmlns:a16="http://schemas.microsoft.com/office/drawing/2014/main" id="{A389414F-66B7-1262-7F78-D45BD7660CF6}"/>
+              </a:ext>
+            </a:extLst>
+          </p:cNvPr>
+          <p:cNvSpPr txBox="1"/>
+          <p:nvPr/>
+        </p:nvSpPr>
+        <p:spPr>
+          <a:xfrm>
+            <a:off x="137978" y="149798"/>
+            <a:ext cx="2645917" cy="646331"/>
+          </a:xfrm>
+          <a:prstGeom prst="rect">
+            <a:avLst/>
+          </a:prstGeom>
+          <a:solidFill>
+            <a:srgbClr val="1C3166"/>
+          </a:solidFill>
+          <a:ln>
+            <a:solidFill>
+              <a:schemeClr val="tx1"/>
+            </a:solidFill>
+          </a:ln>
+        </p:spPr>
+        <p:txBody>
+          <a:bodyPr wrap="none" rtlCol="0" anchor="ctr">
+            <a:spAutoFit/>
+          </a:bodyPr>
+          <a:lstStyle/>
+          <a:p>
+            <a:pPr algn="ctr"/>
+            <a:r>
+              <a:rPr lang="en-US" altLang="ko-KR" dirty="0">
+                <a:solidFill>
+                  <a:schemeClr val="bg1"/>
+                </a:solidFill>
+                <a:latin typeface="에스코어 드림 6 Bold" panose="020B0703030302020204" pitchFamily="34" charset="-127"/>
+                <a:ea typeface="에스코어 드림 6 Bold" panose="020B0703030302020204" pitchFamily="34" charset="-127"/>
+              </a:rPr>
+              <a:t>4</a:t>
+            </a:r>
+            <a:r>
+              <a:rPr lang="ko-KR" altLang="en-US" dirty="0">
+                <a:solidFill>
+                  <a:schemeClr val="bg1"/>
+                </a:solidFill>
+                <a:latin typeface="에스코어 드림 6 Bold" panose="020B0703030302020204" pitchFamily="34" charset="-127"/>
+                <a:ea typeface="에스코어 드림 6 Bold" panose="020B0703030302020204" pitchFamily="34" charset="-127"/>
+              </a:rPr>
+              <a:t>강 </a:t>
+            </a:r>
+            <a:r>
+              <a:rPr lang="en-US" altLang="ko-KR" dirty="0">
+                <a:solidFill>
+                  <a:schemeClr val="bg1"/>
+                </a:solidFill>
+                <a:latin typeface="에스코어 드림 6 Bold" panose="020B0703030302020204" pitchFamily="34" charset="-127"/>
+                <a:ea typeface="에스코어 드림 6 Bold" panose="020B0703030302020204" pitchFamily="34" charset="-127"/>
+              </a:rPr>
+              <a:t>(1:00)</a:t>
+            </a:r>
+          </a:p>
+          <a:p>
+            <a:pPr algn="ctr"/>
+            <a:r>
+              <a:rPr lang="en-US" altLang="ko-KR" dirty="0">
+                <a:solidFill>
+                  <a:schemeClr val="bg1"/>
+                </a:solidFill>
+                <a:latin typeface="에스코어 드림 6 Bold" panose="020B0703030302020204" pitchFamily="34" charset="-127"/>
+                <a:ea typeface="에스코어 드림 6 Bold" panose="020B0703030302020204" pitchFamily="34" charset="-127"/>
+              </a:rPr>
+              <a:t>Project View </a:t>
+            </a:r>
+            <a:r>
+              <a:rPr lang="ko-KR" altLang="en-US" dirty="0">
+                <a:solidFill>
+                  <a:schemeClr val="bg1"/>
+                </a:solidFill>
+                <a:latin typeface="에스코어 드림 6 Bold" panose="020B0703030302020204" pitchFamily="34" charset="-127"/>
+                <a:ea typeface="에스코어 드림 6 Bold" panose="020B0703030302020204" pitchFamily="34" charset="-127"/>
+              </a:rPr>
+              <a:t>구조 변경</a:t>
+            </a:r>
+          </a:p>
+        </p:txBody>
+      </p:sp>
+      <p:grpSp>
+        <p:nvGrpSpPr>
+          <p:cNvPr id="7" name="그룹 6">
+            <a:extLst>
+              <a:ext uri="{FF2B5EF4-FFF2-40B4-BE49-F238E27FC236}">
+                <a16:creationId xmlns:a16="http://schemas.microsoft.com/office/drawing/2014/main" id="{CF6241FD-EAB8-79E6-728C-8320177B0D85}"/>
+              </a:ext>
+            </a:extLst>
+          </p:cNvPr>
+          <p:cNvGrpSpPr/>
+          <p:nvPr/>
+        </p:nvGrpSpPr>
+        <p:grpSpPr>
+          <a:xfrm>
+            <a:off x="137978" y="976680"/>
+            <a:ext cx="10770154" cy="3251367"/>
+            <a:chOff x="137978" y="976680"/>
+            <a:chExt cx="10770154" cy="3251367"/>
+          </a:xfrm>
+        </p:grpSpPr>
+        <p:pic>
+          <p:nvPicPr>
+            <p:cNvPr id="3" name="그림 2">
+              <a:extLst>
+                <a:ext uri="{FF2B5EF4-FFF2-40B4-BE49-F238E27FC236}">
+                  <a16:creationId xmlns:a16="http://schemas.microsoft.com/office/drawing/2014/main" id="{3D76EBAF-C438-5B01-99BE-9D79DDDC75FF}"/>
+                </a:ext>
+              </a:extLst>
+            </p:cNvPr>
+            <p:cNvPicPr>
+              <a:picLocks noChangeAspect="1"/>
+            </p:cNvPicPr>
+            <p:nvPr/>
+          </p:nvPicPr>
+          <p:blipFill>
+            <a:blip r:embed="rId2"/>
+            <a:stretch>
+              <a:fillRect/>
+            </a:stretch>
+          </p:blipFill>
+          <p:spPr>
+            <a:xfrm>
+              <a:off x="137978" y="976680"/>
+              <a:ext cx="10770154" cy="3251367"/>
+            </a:xfrm>
+            <a:prstGeom prst="rect">
+              <a:avLst/>
+            </a:prstGeom>
+            <a:ln>
+              <a:solidFill>
+                <a:schemeClr val="tx1"/>
+              </a:solidFill>
+            </a:ln>
+          </p:spPr>
+        </p:pic>
+        <p:sp>
+          <p:nvSpPr>
+            <p:cNvPr id="2" name="직사각형 1">
+              <a:extLst>
+                <a:ext uri="{FF2B5EF4-FFF2-40B4-BE49-F238E27FC236}">
+                  <a16:creationId xmlns:a16="http://schemas.microsoft.com/office/drawing/2014/main" id="{8DA1F4E9-2C5C-95DB-6050-097E277550AD}"/>
+                </a:ext>
+              </a:extLst>
+            </p:cNvPr>
+            <p:cNvSpPr/>
+            <p:nvPr/>
+          </p:nvSpPr>
+          <p:spPr>
+            <a:xfrm>
+              <a:off x="5115912" y="1332131"/>
+              <a:ext cx="283778" cy="291717"/>
+            </a:xfrm>
+            <a:prstGeom prst="rect">
+              <a:avLst/>
+            </a:prstGeom>
+            <a:noFill/>
+            <a:ln w="38100">
+              <a:solidFill>
+                <a:srgbClr val="FF0000"/>
+              </a:solidFill>
+            </a:ln>
+          </p:spPr>
+          <p:style>
+            <a:lnRef idx="2">
+              <a:schemeClr val="accent1">
+                <a:shade val="15000"/>
+              </a:schemeClr>
+            </a:lnRef>
+            <a:fillRef idx="1">
+              <a:schemeClr val="accent1"/>
+            </a:fillRef>
+            <a:effectRef idx="0">
+              <a:schemeClr val="accent1"/>
+            </a:effectRef>
+            <a:fontRef idx="minor">
+              <a:schemeClr val="lt1"/>
+            </a:fontRef>
+          </p:style>
+          <p:txBody>
+            <a:bodyPr rtlCol="0" anchor="ctr"/>
+            <a:lstStyle/>
+            <a:p>
+              <a:pPr algn="ctr"/>
+              <a:endParaRPr lang="ko-KR" altLang="en-US"/>
+            </a:p>
+          </p:txBody>
+        </p:sp>
+        <p:sp>
+          <p:nvSpPr>
+            <p:cNvPr id="4" name="직사각형 3">
+              <a:extLst>
+                <a:ext uri="{FF2B5EF4-FFF2-40B4-BE49-F238E27FC236}">
+                  <a16:creationId xmlns:a16="http://schemas.microsoft.com/office/drawing/2014/main" id="{6DCA9EBE-5C5F-6AA0-B254-E24CDAD4FB76}"/>
+                </a:ext>
+              </a:extLst>
+            </p:cNvPr>
+            <p:cNvSpPr/>
+            <p:nvPr/>
+          </p:nvSpPr>
+          <p:spPr>
+            <a:xfrm>
+              <a:off x="5499406" y="1477989"/>
+              <a:ext cx="1292905" cy="291717"/>
+            </a:xfrm>
+            <a:prstGeom prst="rect">
+              <a:avLst/>
+            </a:prstGeom>
+            <a:noFill/>
+            <a:ln w="38100">
+              <a:solidFill>
+                <a:srgbClr val="FF0000"/>
+              </a:solidFill>
+            </a:ln>
+          </p:spPr>
+          <p:style>
+            <a:lnRef idx="2">
+              <a:schemeClr val="accent1">
+                <a:shade val="15000"/>
+              </a:schemeClr>
+            </a:lnRef>
+            <a:fillRef idx="1">
+              <a:schemeClr val="accent1"/>
+            </a:fillRef>
+            <a:effectRef idx="0">
+              <a:schemeClr val="accent1"/>
+            </a:effectRef>
+            <a:fontRef idx="minor">
+              <a:schemeClr val="lt1"/>
+            </a:fontRef>
+          </p:style>
+          <p:txBody>
+            <a:bodyPr rtlCol="0" anchor="ctr"/>
+            <a:lstStyle/>
+            <a:p>
+              <a:pPr algn="ctr"/>
+              <a:endParaRPr lang="ko-KR" altLang="en-US"/>
+            </a:p>
+          </p:txBody>
+        </p:sp>
+        <p:sp>
+          <p:nvSpPr>
+            <p:cNvPr id="6" name="직사각형 5">
+              <a:extLst>
+                <a:ext uri="{FF2B5EF4-FFF2-40B4-BE49-F238E27FC236}">
+                  <a16:creationId xmlns:a16="http://schemas.microsoft.com/office/drawing/2014/main" id="{9D5A8D10-4BCD-D384-FDB0-45AFB0226B1C}"/>
+                </a:ext>
+              </a:extLst>
+            </p:cNvPr>
+            <p:cNvSpPr/>
+            <p:nvPr/>
+          </p:nvSpPr>
+          <p:spPr>
+            <a:xfrm>
+              <a:off x="8103345" y="3049286"/>
+              <a:ext cx="1931407" cy="324535"/>
+            </a:xfrm>
+            <a:prstGeom prst="rect">
+              <a:avLst/>
+            </a:prstGeom>
+            <a:noFill/>
+            <a:ln w="38100">
+              <a:solidFill>
+                <a:srgbClr val="FF0000"/>
+              </a:solidFill>
+            </a:ln>
+          </p:spPr>
+          <p:style>
+            <a:lnRef idx="2">
+              <a:schemeClr val="accent1">
+                <a:shade val="15000"/>
+              </a:schemeClr>
+            </a:lnRef>
+            <a:fillRef idx="1">
+              <a:schemeClr val="accent1"/>
+            </a:fillRef>
+            <a:effectRef idx="0">
+              <a:schemeClr val="accent1"/>
+            </a:effectRef>
+            <a:fontRef idx="minor">
+              <a:schemeClr val="lt1"/>
+            </a:fontRef>
+          </p:style>
+          <p:txBody>
+            <a:bodyPr rtlCol="0" anchor="ctr"/>
+            <a:lstStyle/>
+            <a:p>
+              <a:pPr algn="ctr"/>
+              <a:endParaRPr lang="ko-KR" altLang="en-US"/>
+            </a:p>
+          </p:txBody>
+        </p:sp>
+      </p:grpSp>
+    </p:spTree>
+    <p:extLst>
+      <p:ext uri="{BB962C8B-B14F-4D97-AF65-F5344CB8AC3E}">
+        <p14:creationId xmlns:p14="http://schemas.microsoft.com/office/powerpoint/2010/main" val="1112292644"/>
+      </p:ext>
+    </p:extLst>
+  </p:cSld>
+  <p:clrMapOvr>
+    <a:masterClrMapping/>
+  </p:clrMapOvr>
+</p:sld>
+</file>
+
+<file path=ppt/slides/slide13.xml><?xml version="1.0" encoding="utf-8"?>
+<p:sld xmlns:a="http://schemas.openxmlformats.org/drawingml/2006/main" xmlns:r="http://schemas.openxmlformats.org/officeDocument/2006/relationships" xmlns:p="http://schemas.openxmlformats.org/presentationml/2006/main">
+  <p:cSld>
+    <p:spTree>
+      <p:nvGrpSpPr>
+        <p:cNvPr id="1" name=""/>
+        <p:cNvGrpSpPr/>
+        <p:nvPr/>
+      </p:nvGrpSpPr>
+      <p:grpSpPr>
+        <a:xfrm>
+          <a:off x="0" y="0"/>
+          <a:ext cx="0" cy="0"/>
+          <a:chOff x="0" y="0"/>
+          <a:chExt cx="0" cy="0"/>
+        </a:xfrm>
+      </p:grpSpPr>
+      <p:sp>
+        <p:nvSpPr>
+          <p:cNvPr id="5" name="TextBox 4">
+            <a:extLst>
+              <a:ext uri="{FF2B5EF4-FFF2-40B4-BE49-F238E27FC236}">
+                <a16:creationId xmlns:a16="http://schemas.microsoft.com/office/drawing/2014/main" id="{A389414F-66B7-1262-7F78-D45BD7660CF6}"/>
+              </a:ext>
+            </a:extLst>
+          </p:cNvPr>
+          <p:cNvSpPr txBox="1"/>
+          <p:nvPr/>
+        </p:nvSpPr>
+        <p:spPr>
+          <a:xfrm>
+            <a:off x="137978" y="149798"/>
+            <a:ext cx="2645917" cy="646331"/>
+          </a:xfrm>
+          <a:prstGeom prst="rect">
+            <a:avLst/>
+          </a:prstGeom>
+          <a:solidFill>
+            <a:srgbClr val="1C3166"/>
+          </a:solidFill>
+          <a:ln>
+            <a:solidFill>
+              <a:schemeClr val="tx1"/>
+            </a:solidFill>
+          </a:ln>
+        </p:spPr>
+        <p:txBody>
+          <a:bodyPr wrap="none" rtlCol="0" anchor="ctr">
+            <a:spAutoFit/>
+          </a:bodyPr>
+          <a:lstStyle/>
+          <a:p>
+            <a:pPr algn="ctr"/>
+            <a:r>
+              <a:rPr lang="en-US" altLang="ko-KR" dirty="0">
+                <a:solidFill>
+                  <a:schemeClr val="bg1"/>
+                </a:solidFill>
+                <a:latin typeface="에스코어 드림 6 Bold" panose="020B0703030302020204" pitchFamily="34" charset="-127"/>
+                <a:ea typeface="에스코어 드림 6 Bold" panose="020B0703030302020204" pitchFamily="34" charset="-127"/>
+              </a:rPr>
+              <a:t>4</a:t>
+            </a:r>
+            <a:r>
+              <a:rPr lang="ko-KR" altLang="en-US" dirty="0">
+                <a:solidFill>
+                  <a:schemeClr val="bg1"/>
+                </a:solidFill>
+                <a:latin typeface="에스코어 드림 6 Bold" panose="020B0703030302020204" pitchFamily="34" charset="-127"/>
+                <a:ea typeface="에스코어 드림 6 Bold" panose="020B0703030302020204" pitchFamily="34" charset="-127"/>
+              </a:rPr>
+              <a:t>강 </a:t>
+            </a:r>
+            <a:r>
+              <a:rPr lang="en-US" altLang="ko-KR" dirty="0">
+                <a:solidFill>
+                  <a:schemeClr val="bg1"/>
+                </a:solidFill>
+                <a:latin typeface="에스코어 드림 6 Bold" panose="020B0703030302020204" pitchFamily="34" charset="-127"/>
+                <a:ea typeface="에스코어 드림 6 Bold" panose="020B0703030302020204" pitchFamily="34" charset="-127"/>
+              </a:rPr>
+              <a:t>(1:00)</a:t>
+            </a:r>
+          </a:p>
+          <a:p>
+            <a:pPr algn="ctr"/>
+            <a:r>
+              <a:rPr lang="en-US" altLang="ko-KR" dirty="0">
+                <a:solidFill>
+                  <a:schemeClr val="bg1"/>
+                </a:solidFill>
+                <a:latin typeface="에스코어 드림 6 Bold" panose="020B0703030302020204" pitchFamily="34" charset="-127"/>
+                <a:ea typeface="에스코어 드림 6 Bold" panose="020B0703030302020204" pitchFamily="34" charset="-127"/>
+              </a:rPr>
+              <a:t>Project View </a:t>
+            </a:r>
+            <a:r>
+              <a:rPr lang="ko-KR" altLang="en-US" dirty="0">
+                <a:solidFill>
+                  <a:schemeClr val="bg1"/>
+                </a:solidFill>
+                <a:latin typeface="에스코어 드림 6 Bold" panose="020B0703030302020204" pitchFamily="34" charset="-127"/>
+                <a:ea typeface="에스코어 드림 6 Bold" panose="020B0703030302020204" pitchFamily="34" charset="-127"/>
+              </a:rPr>
+              <a:t>구조 변경</a:t>
+            </a:r>
+          </a:p>
+        </p:txBody>
+      </p:sp>
+      <p:grpSp>
+        <p:nvGrpSpPr>
+          <p:cNvPr id="14" name="그룹 13">
+            <a:extLst>
+              <a:ext uri="{FF2B5EF4-FFF2-40B4-BE49-F238E27FC236}">
+                <a16:creationId xmlns:a16="http://schemas.microsoft.com/office/drawing/2014/main" id="{20C5BB92-CDBD-D87F-6C29-46DE288A434B}"/>
+              </a:ext>
+            </a:extLst>
+          </p:cNvPr>
+          <p:cNvGrpSpPr/>
+          <p:nvPr/>
+        </p:nvGrpSpPr>
+        <p:grpSpPr>
+          <a:xfrm>
+            <a:off x="137978" y="907161"/>
+            <a:ext cx="9288035" cy="4038508"/>
+            <a:chOff x="226455" y="1096346"/>
+            <a:chExt cx="11055918" cy="4807197"/>
+          </a:xfrm>
+        </p:grpSpPr>
+        <p:grpSp>
+          <p:nvGrpSpPr>
+            <p:cNvPr id="12" name="그룹 11">
+              <a:extLst>
+                <a:ext uri="{FF2B5EF4-FFF2-40B4-BE49-F238E27FC236}">
+                  <a16:creationId xmlns:a16="http://schemas.microsoft.com/office/drawing/2014/main" id="{40972E42-0C47-F739-7266-3B200D337CBE}"/>
+                </a:ext>
+              </a:extLst>
+            </p:cNvPr>
+            <p:cNvGrpSpPr/>
+            <p:nvPr/>
+          </p:nvGrpSpPr>
+          <p:grpSpPr>
+            <a:xfrm>
+              <a:off x="226455" y="1096346"/>
+              <a:ext cx="11055918" cy="4807197"/>
+              <a:chOff x="226455" y="1096346"/>
+              <a:chExt cx="11055918" cy="4807197"/>
+            </a:xfrm>
+          </p:grpSpPr>
+          <p:pic>
+            <p:nvPicPr>
+              <p:cNvPr id="8" name="그림 7">
+                <a:extLst>
+                  <a:ext uri="{FF2B5EF4-FFF2-40B4-BE49-F238E27FC236}">
+                    <a16:creationId xmlns:a16="http://schemas.microsoft.com/office/drawing/2014/main" id="{1AD122F6-5BB0-9F1C-47D2-F8E846F2961D}"/>
+                  </a:ext>
+                </a:extLst>
+              </p:cNvPr>
+              <p:cNvPicPr>
+                <a:picLocks noChangeAspect="1"/>
+              </p:cNvPicPr>
+              <p:nvPr/>
+            </p:nvPicPr>
+            <p:blipFill>
+              <a:blip r:embed="rId2"/>
+              <a:stretch>
+                <a:fillRect/>
+              </a:stretch>
+            </p:blipFill>
+            <p:spPr>
+              <a:xfrm>
+                <a:off x="226455" y="1096346"/>
+                <a:ext cx="11055918" cy="4807197"/>
+              </a:xfrm>
+              <a:prstGeom prst="rect">
+                <a:avLst/>
+              </a:prstGeom>
+            </p:spPr>
+          </p:pic>
+          <p:sp>
+            <p:nvSpPr>
+              <p:cNvPr id="10" name="직사각형 9">
+                <a:extLst>
+                  <a:ext uri="{FF2B5EF4-FFF2-40B4-BE49-F238E27FC236}">
+                    <a16:creationId xmlns:a16="http://schemas.microsoft.com/office/drawing/2014/main" id="{6DCA9EBE-5C5F-6AA0-B254-E24CDAD4FB76}"/>
+                  </a:ext>
+                </a:extLst>
+              </p:cNvPr>
+              <p:cNvSpPr/>
+              <p:nvPr/>
+            </p:nvSpPr>
+            <p:spPr>
+              <a:xfrm>
+                <a:off x="814483" y="3283141"/>
+                <a:ext cx="2638165" cy="1643583"/>
+              </a:xfrm>
+              <a:prstGeom prst="rect">
+                <a:avLst/>
+              </a:prstGeom>
+              <a:noFill/>
+              <a:ln w="38100">
+                <a:solidFill>
+                  <a:srgbClr val="FF0000"/>
+                </a:solidFill>
+              </a:ln>
+            </p:spPr>
+            <p:style>
+              <a:lnRef idx="2">
+                <a:schemeClr val="accent1">
+                  <a:shade val="15000"/>
+                </a:schemeClr>
+              </a:lnRef>
+              <a:fillRef idx="1">
+                <a:schemeClr val="accent1"/>
+              </a:fillRef>
+              <a:effectRef idx="0">
+                <a:schemeClr val="accent1"/>
+              </a:effectRef>
+              <a:fontRef idx="minor">
+                <a:schemeClr val="lt1"/>
+              </a:fontRef>
+            </p:style>
+            <p:txBody>
+              <a:bodyPr rtlCol="0" anchor="ctr"/>
+              <a:lstStyle/>
+              <a:p>
+                <a:pPr algn="ctr"/>
+                <a:endParaRPr lang="ko-KR" altLang="en-US"/>
+              </a:p>
+            </p:txBody>
+          </p:sp>
+        </p:grpSp>
+        <p:sp>
+          <p:nvSpPr>
+            <p:cNvPr id="13" name="직사각형 12">
+              <a:extLst>
+                <a:ext uri="{FF2B5EF4-FFF2-40B4-BE49-F238E27FC236}">
+                  <a16:creationId xmlns:a16="http://schemas.microsoft.com/office/drawing/2014/main" id="{2DB73DF8-76C1-CFBE-E436-EADFDA3BA4D0}"/>
+                </a:ext>
+              </a:extLst>
+            </p:cNvPr>
+            <p:cNvSpPr/>
+            <p:nvPr/>
+          </p:nvSpPr>
+          <p:spPr>
+            <a:xfrm>
+              <a:off x="8261001" y="3175409"/>
+              <a:ext cx="1931407" cy="324535"/>
+            </a:xfrm>
+            <a:prstGeom prst="rect">
+              <a:avLst/>
+            </a:prstGeom>
+            <a:noFill/>
+            <a:ln w="38100">
+              <a:solidFill>
+                <a:srgbClr val="FF0000"/>
+              </a:solidFill>
+            </a:ln>
+          </p:spPr>
+          <p:style>
+            <a:lnRef idx="2">
+              <a:schemeClr val="accent1">
+                <a:shade val="15000"/>
+              </a:schemeClr>
+            </a:lnRef>
+            <a:fillRef idx="1">
+              <a:schemeClr val="accent1"/>
+            </a:fillRef>
+            <a:effectRef idx="0">
+              <a:schemeClr val="accent1"/>
+            </a:effectRef>
+            <a:fontRef idx="minor">
+              <a:schemeClr val="lt1"/>
+            </a:fontRef>
+          </p:style>
+          <p:txBody>
+            <a:bodyPr rtlCol="0" anchor="ctr"/>
+            <a:lstStyle/>
+            <a:p>
+              <a:pPr algn="ctr"/>
+              <a:endParaRPr lang="ko-KR" altLang="en-US"/>
+            </a:p>
+          </p:txBody>
+        </p:sp>
+      </p:grpSp>
+      <p:sp>
+        <p:nvSpPr>
+          <p:cNvPr id="15" name="TextBox 14">
+            <a:extLst>
+              <a:ext uri="{FF2B5EF4-FFF2-40B4-BE49-F238E27FC236}">
+                <a16:creationId xmlns:a16="http://schemas.microsoft.com/office/drawing/2014/main" id="{C0BD0390-59EF-604E-E479-03D58DCB838F}"/>
+              </a:ext>
+            </a:extLst>
+          </p:cNvPr>
+          <p:cNvSpPr txBox="1"/>
+          <p:nvPr/>
+        </p:nvSpPr>
+        <p:spPr>
+          <a:xfrm>
+            <a:off x="137978" y="5186856"/>
+            <a:ext cx="2369559" cy="646331"/>
+          </a:xfrm>
+          <a:prstGeom prst="rect">
+            <a:avLst/>
+          </a:prstGeom>
+          <a:noFill/>
+          <a:ln>
+            <a:solidFill>
+              <a:schemeClr val="tx1"/>
+            </a:solidFill>
+          </a:ln>
+        </p:spPr>
+        <p:txBody>
+          <a:bodyPr wrap="none" rtlCol="0">
+            <a:spAutoFit/>
+          </a:bodyPr>
+          <a:lstStyle/>
+          <a:p>
+            <a:r>
+              <a:rPr lang="en-US" altLang="ko-KR" dirty="0"/>
+              <a:t>&lt;</a:t>
+            </a:r>
+            <a:r>
+              <a:rPr lang="ko-KR" altLang="en-US" dirty="0"/>
+              <a:t>참고</a:t>
+            </a:r>
+            <a:r>
+              <a:rPr lang="en-US" altLang="ko-KR" dirty="0"/>
+              <a:t>&gt;</a:t>
+            </a:r>
+          </a:p>
+          <a:p>
+            <a:r>
+              <a:rPr lang="en-US" altLang="ko-KR" dirty="0"/>
+              <a:t>1. </a:t>
+            </a:r>
+            <a:r>
+              <a:rPr lang="ko-KR" altLang="en-US" dirty="0"/>
+              <a:t>구조가 변경된 모습</a:t>
+            </a:r>
+          </a:p>
+        </p:txBody>
+      </p:sp>
+    </p:spTree>
+    <p:extLst>
+      <p:ext uri="{BB962C8B-B14F-4D97-AF65-F5344CB8AC3E}">
+        <p14:creationId xmlns:p14="http://schemas.microsoft.com/office/powerpoint/2010/main" val="340196415"/>
+      </p:ext>
+    </p:extLst>
+  </p:cSld>
+  <p:clrMapOvr>
+    <a:masterClrMapping/>
+  </p:clrMapOvr>
+</p:sld>
+</file>
+
+<file path=ppt/slides/slide14.xml><?xml version="1.0" encoding="utf-8"?>
+<p:sld xmlns:a="http://schemas.openxmlformats.org/drawingml/2006/main" xmlns:r="http://schemas.openxmlformats.org/officeDocument/2006/relationships" xmlns:p="http://schemas.openxmlformats.org/presentationml/2006/main">
+  <p:cSld>
+    <p:spTree>
+      <p:nvGrpSpPr>
+        <p:cNvPr id="1" name=""/>
+        <p:cNvGrpSpPr/>
+        <p:nvPr/>
+      </p:nvGrpSpPr>
+      <p:grpSpPr>
+        <a:xfrm>
+          <a:off x="0" y="0"/>
+          <a:ext cx="0" cy="0"/>
+          <a:chOff x="0" y="0"/>
+          <a:chExt cx="0" cy="0"/>
+        </a:xfrm>
+      </p:grpSpPr>
+      <p:sp>
+        <p:nvSpPr>
+          <p:cNvPr id="5" name="TextBox 4">
+            <a:extLst>
+              <a:ext uri="{FF2B5EF4-FFF2-40B4-BE49-F238E27FC236}">
+                <a16:creationId xmlns:a16="http://schemas.microsoft.com/office/drawing/2014/main" id="{A389414F-66B7-1262-7F78-D45BD7660CF6}"/>
+              </a:ext>
+            </a:extLst>
+          </p:cNvPr>
+          <p:cNvSpPr txBox="1"/>
+          <p:nvPr/>
+        </p:nvSpPr>
+        <p:spPr>
+          <a:xfrm>
+            <a:off x="2011389" y="2767281"/>
+            <a:ext cx="8169224" cy="1323439"/>
+          </a:xfrm>
+          <a:prstGeom prst="rect">
+            <a:avLst/>
+          </a:prstGeom>
+          <a:solidFill>
+            <a:srgbClr val="1C3166"/>
+          </a:solidFill>
+          <a:ln>
+            <a:solidFill>
+              <a:schemeClr val="tx1"/>
+            </a:solidFill>
+          </a:ln>
+        </p:spPr>
+        <p:txBody>
+          <a:bodyPr wrap="none" rtlCol="0" anchor="ctr">
+            <a:spAutoFit/>
+          </a:bodyPr>
+          <a:lstStyle/>
+          <a:p>
+            <a:pPr algn="ctr"/>
+            <a:r>
+              <a:rPr lang="ko-KR" altLang="en-US" sz="4000">
+                <a:solidFill>
+                  <a:schemeClr val="bg1"/>
+                </a:solidFill>
+                <a:latin typeface="에스코어 드림 6 Bold" panose="020B0703030302020204" pitchFamily="34" charset="-127"/>
+                <a:ea typeface="에스코어 드림 6 Bold" panose="020B0703030302020204" pitchFamily="34" charset="-127"/>
+              </a:rPr>
+              <a:t>프로젝트 생성하자마자 실행 했는데 </a:t>
+            </a:r>
+            <a:br>
+              <a:rPr lang="en-US" altLang="ko-KR" sz="4000" dirty="0">
+                <a:solidFill>
+                  <a:schemeClr val="bg1"/>
+                </a:solidFill>
+                <a:latin typeface="에스코어 드림 6 Bold" panose="020B0703030302020204" pitchFamily="34" charset="-127"/>
+                <a:ea typeface="에스코어 드림 6 Bold" panose="020B0703030302020204" pitchFamily="34" charset="-127"/>
+              </a:rPr>
+            </a:br>
+            <a:r>
+              <a:rPr lang="en-US" altLang="ko-KR" sz="4000" dirty="0">
+                <a:solidFill>
+                  <a:schemeClr val="bg1"/>
+                </a:solidFill>
+                <a:latin typeface="에스코어 드림 6 Bold" panose="020B0703030302020204" pitchFamily="34" charset="-127"/>
+                <a:ea typeface="에스코어 드림 6 Bold" panose="020B0703030302020204" pitchFamily="34" charset="-127"/>
+              </a:rPr>
+              <a:t>DB</a:t>
+            </a:r>
+            <a:r>
+              <a:rPr lang="ko-KR" altLang="en-US" sz="4000" dirty="0">
+                <a:solidFill>
+                  <a:schemeClr val="bg1"/>
+                </a:solidFill>
+                <a:latin typeface="에스코어 드림 6 Bold" panose="020B0703030302020204" pitchFamily="34" charset="-127"/>
+                <a:ea typeface="에스코어 드림 6 Bold" panose="020B0703030302020204" pitchFamily="34" charset="-127"/>
+              </a:rPr>
+              <a:t>에러가 발생하며 실행이 안돼요</a:t>
+            </a:r>
+          </a:p>
+        </p:txBody>
+      </p:sp>
+    </p:spTree>
+    <p:extLst>
+      <p:ext uri="{BB962C8B-B14F-4D97-AF65-F5344CB8AC3E}">
+        <p14:creationId xmlns:p14="http://schemas.microsoft.com/office/powerpoint/2010/main" val="2889937135"/>
+      </p:ext>
+    </p:extLst>
+  </p:cSld>
+  <p:clrMapOvr>
+    <a:masterClrMapping/>
+  </p:clrMapOvr>
+</p:sld>
+</file>
+
+<file path=ppt/slides/slide15.xml><?xml version="1.0" encoding="utf-8"?>
+<p:sld xmlns:a="http://schemas.openxmlformats.org/drawingml/2006/main" xmlns:r="http://schemas.openxmlformats.org/officeDocument/2006/relationships" xmlns:p="http://schemas.openxmlformats.org/presentationml/2006/main">
+  <p:cSld>
+    <p:spTree>
+      <p:nvGrpSpPr>
+        <p:cNvPr id="1" name=""/>
+        <p:cNvGrpSpPr/>
+        <p:nvPr/>
+      </p:nvGrpSpPr>
+      <p:grpSpPr>
+        <a:xfrm>
+          <a:off x="0" y="0"/>
+          <a:ext cx="0" cy="0"/>
+          <a:chOff x="0" y="0"/>
+          <a:chExt cx="0" cy="0"/>
+        </a:xfrm>
+      </p:grpSpPr>
+      <p:sp>
+        <p:nvSpPr>
+          <p:cNvPr id="5" name="TextBox 4">
+            <a:extLst>
+              <a:ext uri="{FF2B5EF4-FFF2-40B4-BE49-F238E27FC236}">
+                <a16:creationId xmlns:a16="http://schemas.microsoft.com/office/drawing/2014/main" id="{A389414F-66B7-1262-7F78-D45BD7660CF6}"/>
+              </a:ext>
+            </a:extLst>
+          </p:cNvPr>
+          <p:cNvSpPr txBox="1"/>
+          <p:nvPr/>
+        </p:nvSpPr>
+        <p:spPr>
+          <a:xfrm>
+            <a:off x="230698" y="165564"/>
+            <a:ext cx="3579826" cy="646331"/>
+          </a:xfrm>
+          <a:prstGeom prst="rect">
+            <a:avLst/>
+          </a:prstGeom>
+          <a:solidFill>
+            <a:srgbClr val="1C3166"/>
+          </a:solidFill>
+          <a:ln>
+            <a:solidFill>
+              <a:schemeClr val="tx1"/>
+            </a:solidFill>
+          </a:ln>
+        </p:spPr>
+        <p:txBody>
+          <a:bodyPr wrap="none" rtlCol="0" anchor="ctr">
+            <a:spAutoFit/>
+          </a:bodyPr>
+          <a:lstStyle/>
+          <a:p>
+            <a:pPr algn="ctr"/>
+            <a:r>
+              <a:rPr lang="en-US" altLang="ko-KR" dirty="0">
+                <a:solidFill>
+                  <a:schemeClr val="bg1"/>
+                </a:solidFill>
+                <a:latin typeface="에스코어 드림 6 Bold" panose="020B0703030302020204" pitchFamily="34" charset="-127"/>
+                <a:ea typeface="에스코어 드림 6 Bold" panose="020B0703030302020204" pitchFamily="34" charset="-127"/>
+              </a:rPr>
+              <a:t>DB</a:t>
+            </a:r>
+            <a:r>
+              <a:rPr lang="ko-KR" altLang="en-US" dirty="0">
+                <a:solidFill>
+                  <a:schemeClr val="bg1"/>
+                </a:solidFill>
+                <a:latin typeface="에스코어 드림 6 Bold" panose="020B0703030302020204" pitchFamily="34" charset="-127"/>
+                <a:ea typeface="에스코어 드림 6 Bold" panose="020B0703030302020204" pitchFamily="34" charset="-127"/>
+              </a:rPr>
+              <a:t>연결하는 부분도 없는데</a:t>
+            </a:r>
+            <a:br>
+              <a:rPr lang="en-US" altLang="ko-KR" dirty="0">
+                <a:solidFill>
+                  <a:schemeClr val="bg1"/>
+                </a:solidFill>
+                <a:latin typeface="에스코어 드림 6 Bold" panose="020B0703030302020204" pitchFamily="34" charset="-127"/>
+                <a:ea typeface="에스코어 드림 6 Bold" panose="020B0703030302020204" pitchFamily="34" charset="-127"/>
+              </a:rPr>
+            </a:br>
+            <a:r>
+              <a:rPr lang="en-US" altLang="ko-KR" dirty="0">
+                <a:solidFill>
+                  <a:schemeClr val="bg1"/>
+                </a:solidFill>
+                <a:latin typeface="에스코어 드림 6 Bold" panose="020B0703030302020204" pitchFamily="34" charset="-127"/>
+                <a:ea typeface="에스코어 드림 6 Bold" panose="020B0703030302020204" pitchFamily="34" charset="-127"/>
+              </a:rPr>
+              <a:t>DB</a:t>
+            </a:r>
+            <a:r>
+              <a:rPr lang="ko-KR" altLang="en-US" dirty="0">
+                <a:solidFill>
+                  <a:schemeClr val="bg1"/>
+                </a:solidFill>
+                <a:latin typeface="에스코어 드림 6 Bold" panose="020B0703030302020204" pitchFamily="34" charset="-127"/>
+                <a:ea typeface="에스코어 드림 6 Bold" panose="020B0703030302020204" pitchFamily="34" charset="-127"/>
+              </a:rPr>
+              <a:t>에러가 발생하며 실행이 안돼요</a:t>
+            </a:r>
+          </a:p>
+        </p:txBody>
+      </p:sp>
+      <p:sp>
+        <p:nvSpPr>
+          <p:cNvPr id="2" name="TextBox 1">
+            <a:extLst>
+              <a:ext uri="{FF2B5EF4-FFF2-40B4-BE49-F238E27FC236}">
+                <a16:creationId xmlns:a16="http://schemas.microsoft.com/office/drawing/2014/main" id="{28DB230A-1278-5D05-AA1E-7160EBF4D2BA}"/>
+              </a:ext>
+            </a:extLst>
+          </p:cNvPr>
+          <p:cNvSpPr txBox="1"/>
+          <p:nvPr/>
+        </p:nvSpPr>
+        <p:spPr>
+          <a:xfrm>
+            <a:off x="230698" y="1056290"/>
+            <a:ext cx="11487312" cy="2862322"/>
+          </a:xfrm>
+          <a:prstGeom prst="rect">
+            <a:avLst/>
+          </a:prstGeom>
+          <a:noFill/>
+          <a:ln>
+            <a:solidFill>
+              <a:schemeClr val="tx1"/>
+            </a:solidFill>
+          </a:ln>
+        </p:spPr>
+        <p:txBody>
+          <a:bodyPr wrap="none" rtlCol="0">
+            <a:spAutoFit/>
+          </a:bodyPr>
+          <a:lstStyle/>
+          <a:p>
+            <a:r>
+              <a:rPr lang="en-US" altLang="ko-KR" dirty="0"/>
+              <a:t>&lt;</a:t>
+            </a:r>
+            <a:r>
+              <a:rPr lang="ko-KR" altLang="en-US" dirty="0"/>
+              <a:t>상황</a:t>
+            </a:r>
+            <a:r>
+              <a:rPr lang="en-US" altLang="ko-KR" dirty="0"/>
+              <a:t>&gt;</a:t>
+            </a:r>
+          </a:p>
+          <a:p>
+            <a:pPr marL="342900" indent="-342900">
+              <a:buAutoNum type="arabicPeriod"/>
+            </a:pPr>
+            <a:r>
+              <a:rPr lang="ko-KR" altLang="en-US" dirty="0"/>
+              <a:t>프로젝트 생성 이후</a:t>
+            </a:r>
+            <a:r>
+              <a:rPr lang="en-US" altLang="ko-KR" dirty="0"/>
+              <a:t>, </a:t>
+            </a:r>
+            <a:r>
+              <a:rPr lang="ko-KR" altLang="en-US" dirty="0"/>
+              <a:t>프로그램을 실행시켰더니 아래 에러가 나오며 실행이 안됨</a:t>
+            </a:r>
+            <a:endParaRPr lang="en-US" altLang="ko-KR" dirty="0"/>
+          </a:p>
+          <a:p>
+            <a:endParaRPr lang="en-US" altLang="ko-KR" dirty="0"/>
+          </a:p>
+          <a:p>
+            <a:r>
+              <a:rPr lang="en-US" altLang="ko-KR" dirty="0"/>
+              <a:t>&lt;</a:t>
+            </a:r>
+            <a:r>
+              <a:rPr lang="ko-KR" altLang="en-US" dirty="0"/>
+              <a:t>에러발생</a:t>
+            </a:r>
+            <a:r>
+              <a:rPr lang="en-US" altLang="ko-KR" dirty="0"/>
+              <a:t>&gt;</a:t>
+            </a:r>
+          </a:p>
+          <a:p>
+            <a:pPr marL="342900" indent="-342900">
+              <a:buAutoNum type="arabicPeriod"/>
+            </a:pPr>
+            <a:r>
+              <a:rPr lang="ko-KR" altLang="en-US" dirty="0"/>
+              <a:t>로그 해석 </a:t>
+            </a:r>
+            <a:r>
+              <a:rPr lang="en-US" altLang="ko-KR" dirty="0"/>
+              <a:t>(</a:t>
+            </a:r>
+            <a:r>
+              <a:rPr lang="en-US" altLang="ko-KR" dirty="0" err="1"/>
+              <a:t>DataSource</a:t>
+            </a:r>
+            <a:r>
+              <a:rPr lang="ko-KR" altLang="en-US" dirty="0"/>
+              <a:t>문제라고 함</a:t>
+            </a:r>
+            <a:r>
+              <a:rPr lang="en-US" altLang="ko-KR" dirty="0"/>
+              <a:t>)</a:t>
+            </a:r>
+          </a:p>
+          <a:p>
+            <a:endParaRPr lang="en-US" altLang="ko-KR" dirty="0"/>
+          </a:p>
+          <a:p>
+            <a:r>
+              <a:rPr lang="en-US" altLang="ko-KR" dirty="0"/>
+              <a:t>&lt;</a:t>
+            </a:r>
+            <a:r>
+              <a:rPr lang="ko-KR" altLang="en-US" dirty="0"/>
+              <a:t>원인</a:t>
+            </a:r>
+            <a:r>
+              <a:rPr lang="en-US" altLang="ko-KR" dirty="0"/>
+              <a:t>&gt;</a:t>
+            </a:r>
+          </a:p>
+          <a:p>
+            <a:pPr marL="342900" indent="-342900">
+              <a:buAutoNum type="arabicPeriod"/>
+            </a:pPr>
+            <a:r>
+              <a:rPr lang="en-US" altLang="ko-KR" dirty="0" err="1"/>
+              <a:t>SpringBoot</a:t>
+            </a:r>
+            <a:r>
+              <a:rPr lang="ko-KR" altLang="en-US" dirty="0"/>
+              <a:t>는 실행하게 되면 자동으로 </a:t>
+            </a:r>
+            <a:r>
+              <a:rPr lang="en-US" altLang="ko-KR" dirty="0"/>
+              <a:t>DB</a:t>
+            </a:r>
+            <a:r>
+              <a:rPr lang="ko-KR" altLang="en-US" dirty="0"/>
+              <a:t>정보를 요구함</a:t>
+            </a:r>
+            <a:endParaRPr lang="en-US" altLang="ko-KR" dirty="0"/>
+          </a:p>
+          <a:p>
+            <a:pPr marL="342900" indent="-342900">
+              <a:buAutoNum type="arabicPeriod"/>
+            </a:pPr>
+            <a:r>
+              <a:rPr lang="en-US" altLang="ko-KR" dirty="0"/>
+              <a:t>DB</a:t>
+            </a:r>
+            <a:r>
+              <a:rPr lang="ko-KR" altLang="en-US" dirty="0"/>
+              <a:t>를 사용하지 않는다면 </a:t>
+            </a:r>
+            <a:r>
+              <a:rPr lang="en-US" altLang="ko-KR" dirty="0" err="1"/>
+              <a:t>application.yml</a:t>
+            </a:r>
+            <a:r>
+              <a:rPr lang="ko-KR" altLang="en-US" dirty="0"/>
+              <a:t> 혹은 </a:t>
+            </a:r>
+            <a:r>
+              <a:rPr lang="en-US" altLang="ko-KR" dirty="0" err="1"/>
+              <a:t>application.properties</a:t>
+            </a:r>
+            <a:r>
+              <a:rPr lang="en-US" altLang="ko-KR" dirty="0"/>
+              <a:t> </a:t>
+            </a:r>
+            <a:r>
+              <a:rPr lang="ko-KR" altLang="en-US" dirty="0"/>
+              <a:t>파일 내부에 </a:t>
+            </a:r>
+            <a:r>
+              <a:rPr lang="en-US" altLang="ko-KR" dirty="0"/>
+              <a:t>DB </a:t>
+            </a:r>
+            <a:r>
+              <a:rPr lang="ko-KR" altLang="en-US" dirty="0"/>
+              <a:t>정보를 명시하지 않음</a:t>
+            </a:r>
+            <a:endParaRPr lang="en-US" altLang="ko-KR" dirty="0"/>
+          </a:p>
+          <a:p>
+            <a:pPr marL="342900" indent="-342900">
+              <a:buAutoNum type="arabicPeriod"/>
+            </a:pPr>
+            <a:r>
+              <a:rPr lang="ko-KR" altLang="en-US" dirty="0"/>
+              <a:t>그럼 </a:t>
+            </a:r>
+            <a:r>
+              <a:rPr lang="en-US" altLang="ko-KR" dirty="0" err="1"/>
+              <a:t>SpringBoot</a:t>
+            </a:r>
+            <a:r>
+              <a:rPr lang="ko-KR" altLang="en-US" dirty="0"/>
+              <a:t>는 </a:t>
+            </a:r>
+            <a:r>
+              <a:rPr lang="en-US" altLang="ko-KR" dirty="0"/>
+              <a:t>DB</a:t>
+            </a:r>
+            <a:r>
+              <a:rPr lang="ko-KR" altLang="en-US" dirty="0"/>
+              <a:t>정보를 찾기 위해 위 파일들을 뒤지는데 </a:t>
+            </a:r>
+            <a:r>
+              <a:rPr lang="en-US" altLang="ko-KR" dirty="0"/>
+              <a:t>DB</a:t>
+            </a:r>
+            <a:r>
+              <a:rPr lang="ko-KR" altLang="en-US" dirty="0"/>
+              <a:t>정보가 없으니 에러 발생함</a:t>
+            </a:r>
+            <a:endParaRPr lang="en-US" altLang="ko-KR" dirty="0"/>
+          </a:p>
+        </p:txBody>
+      </p:sp>
+      <p:sp>
+        <p:nvSpPr>
+          <p:cNvPr id="4" name="TextBox 3">
+            <a:extLst>
+              <a:ext uri="{FF2B5EF4-FFF2-40B4-BE49-F238E27FC236}">
+                <a16:creationId xmlns:a16="http://schemas.microsoft.com/office/drawing/2014/main" id="{9D0E745D-EDA7-9C44-4E76-79C2A8DC2D21}"/>
+              </a:ext>
+            </a:extLst>
+          </p:cNvPr>
+          <p:cNvSpPr txBox="1"/>
+          <p:nvPr/>
+        </p:nvSpPr>
+        <p:spPr>
+          <a:xfrm>
+            <a:off x="230698" y="4351310"/>
+            <a:ext cx="9333186" cy="646331"/>
+          </a:xfrm>
+          <a:prstGeom prst="rect">
+            <a:avLst/>
+          </a:prstGeom>
+          <a:noFill/>
+          <a:ln>
+            <a:solidFill>
+              <a:schemeClr val="tx1"/>
+            </a:solidFill>
+          </a:ln>
+        </p:spPr>
+        <p:txBody>
+          <a:bodyPr wrap="square">
+            <a:spAutoFit/>
+          </a:bodyPr>
+          <a:lstStyle/>
+          <a:p>
+            <a:r>
+              <a:rPr lang="ko-KR" altLang="en-US" dirty="0" err="1"/>
+              <a:t>Failed</a:t>
+            </a:r>
+            <a:r>
+              <a:rPr lang="ko-KR" altLang="en-US" dirty="0"/>
+              <a:t> </a:t>
+            </a:r>
+            <a:r>
+              <a:rPr lang="ko-KR" altLang="en-US" dirty="0" err="1"/>
+              <a:t>to</a:t>
+            </a:r>
+            <a:r>
+              <a:rPr lang="ko-KR" altLang="en-US" dirty="0"/>
+              <a:t> </a:t>
+            </a:r>
+            <a:r>
+              <a:rPr lang="ko-KR" altLang="en-US" dirty="0" err="1"/>
+              <a:t>configure</a:t>
+            </a:r>
+            <a:r>
+              <a:rPr lang="ko-KR" altLang="en-US" dirty="0"/>
+              <a:t> </a:t>
+            </a:r>
+            <a:r>
+              <a:rPr lang="ko-KR" altLang="en-US" dirty="0" err="1"/>
+              <a:t>a</a:t>
+            </a:r>
+            <a:r>
+              <a:rPr lang="ko-KR" altLang="en-US" dirty="0"/>
+              <a:t> </a:t>
+            </a:r>
+            <a:r>
+              <a:rPr lang="ko-KR" altLang="en-US" dirty="0" err="1"/>
+              <a:t>DataSource</a:t>
+            </a:r>
+            <a:r>
+              <a:rPr lang="ko-KR" altLang="en-US" dirty="0"/>
+              <a:t>: </a:t>
+            </a:r>
+            <a:endParaRPr lang="en-US" altLang="ko-KR" dirty="0"/>
+          </a:p>
+          <a:p>
+            <a:r>
+              <a:rPr lang="ko-KR" altLang="en-US" dirty="0"/>
+              <a:t>'</a:t>
+            </a:r>
+            <a:r>
+              <a:rPr lang="ko-KR" altLang="en-US" dirty="0" err="1"/>
+              <a:t>url</a:t>
+            </a:r>
+            <a:r>
+              <a:rPr lang="ko-KR" altLang="en-US" dirty="0"/>
+              <a:t>' </a:t>
+            </a:r>
+            <a:r>
+              <a:rPr lang="ko-KR" altLang="en-US" dirty="0" err="1"/>
+              <a:t>attribute</a:t>
+            </a:r>
+            <a:r>
+              <a:rPr lang="ko-KR" altLang="en-US" dirty="0"/>
+              <a:t> </a:t>
+            </a:r>
+            <a:r>
+              <a:rPr lang="ko-KR" altLang="en-US" dirty="0" err="1"/>
+              <a:t>is</a:t>
+            </a:r>
+            <a:r>
+              <a:rPr lang="ko-KR" altLang="en-US" dirty="0"/>
+              <a:t> </a:t>
+            </a:r>
+            <a:r>
+              <a:rPr lang="ko-KR" altLang="en-US" dirty="0" err="1"/>
+              <a:t>not</a:t>
+            </a:r>
+            <a:r>
+              <a:rPr lang="ko-KR" altLang="en-US" dirty="0"/>
+              <a:t> </a:t>
+            </a:r>
+            <a:r>
+              <a:rPr lang="ko-KR" altLang="en-US" dirty="0" err="1"/>
+              <a:t>specified</a:t>
+            </a:r>
+            <a:r>
+              <a:rPr lang="ko-KR" altLang="en-US" dirty="0"/>
+              <a:t> and </a:t>
+            </a:r>
+            <a:r>
+              <a:rPr lang="ko-KR" altLang="en-US" dirty="0" err="1"/>
+              <a:t>no</a:t>
+            </a:r>
+            <a:r>
+              <a:rPr lang="ko-KR" altLang="en-US" dirty="0"/>
+              <a:t> </a:t>
+            </a:r>
+            <a:r>
+              <a:rPr lang="ko-KR" altLang="en-US" dirty="0" err="1"/>
+              <a:t>embedded</a:t>
+            </a:r>
+            <a:r>
+              <a:rPr lang="ko-KR" altLang="en-US" dirty="0"/>
+              <a:t> </a:t>
+            </a:r>
+            <a:r>
+              <a:rPr lang="ko-KR" altLang="en-US" dirty="0" err="1"/>
+              <a:t>datasource</a:t>
+            </a:r>
+            <a:r>
+              <a:rPr lang="ko-KR" altLang="en-US" dirty="0"/>
+              <a:t> </a:t>
+            </a:r>
+            <a:r>
+              <a:rPr lang="ko-KR" altLang="en-US" dirty="0" err="1"/>
+              <a:t>could</a:t>
+            </a:r>
+            <a:r>
+              <a:rPr lang="ko-KR" altLang="en-US" dirty="0"/>
+              <a:t> </a:t>
+            </a:r>
+            <a:r>
+              <a:rPr lang="ko-KR" altLang="en-US" dirty="0" err="1"/>
+              <a:t>be</a:t>
+            </a:r>
+            <a:r>
+              <a:rPr lang="ko-KR" altLang="en-US" dirty="0"/>
+              <a:t> </a:t>
+            </a:r>
+            <a:r>
+              <a:rPr lang="ko-KR" altLang="en-US" dirty="0" err="1"/>
+              <a:t>configured</a:t>
+            </a:r>
+            <a:r>
+              <a:rPr lang="ko-KR" altLang="en-US" dirty="0"/>
+              <a:t>.</a:t>
+            </a:r>
+          </a:p>
+        </p:txBody>
+      </p:sp>
+    </p:spTree>
+    <p:extLst>
+      <p:ext uri="{BB962C8B-B14F-4D97-AF65-F5344CB8AC3E}">
+        <p14:creationId xmlns:p14="http://schemas.microsoft.com/office/powerpoint/2010/main" val="695356167"/>
+      </p:ext>
+    </p:extLst>
+  </p:cSld>
+  <p:clrMapOvr>
+    <a:masterClrMapping/>
+  </p:clrMapOvr>
+</p:sld>
+</file>
+
+<file path=ppt/slides/slide16.xml><?xml version="1.0" encoding="utf-8"?>
+<p:sld xmlns:a="http://schemas.openxmlformats.org/drawingml/2006/main" xmlns:r="http://schemas.openxmlformats.org/officeDocument/2006/relationships" xmlns:p="http://schemas.openxmlformats.org/presentationml/2006/main">
+  <p:cSld>
+    <p:spTree>
+      <p:nvGrpSpPr>
+        <p:cNvPr id="1" name=""/>
+        <p:cNvGrpSpPr/>
+        <p:nvPr/>
+      </p:nvGrpSpPr>
+      <p:grpSpPr>
+        <a:xfrm>
+          <a:off x="0" y="0"/>
+          <a:ext cx="0" cy="0"/>
+          <a:chOff x="0" y="0"/>
+          <a:chExt cx="0" cy="0"/>
+        </a:xfrm>
+      </p:grpSpPr>
+      <p:sp>
+        <p:nvSpPr>
+          <p:cNvPr id="5" name="TextBox 4">
+            <a:extLst>
+              <a:ext uri="{FF2B5EF4-FFF2-40B4-BE49-F238E27FC236}">
+                <a16:creationId xmlns:a16="http://schemas.microsoft.com/office/drawing/2014/main" id="{A389414F-66B7-1262-7F78-D45BD7660CF6}"/>
+              </a:ext>
+            </a:extLst>
+          </p:cNvPr>
+          <p:cNvSpPr txBox="1"/>
+          <p:nvPr/>
+        </p:nvSpPr>
+        <p:spPr>
+          <a:xfrm>
+            <a:off x="230698" y="165564"/>
+            <a:ext cx="3579826" cy="646331"/>
+          </a:xfrm>
+          <a:prstGeom prst="rect">
+            <a:avLst/>
+          </a:prstGeom>
+          <a:solidFill>
+            <a:srgbClr val="1C3166"/>
+          </a:solidFill>
+          <a:ln>
+            <a:solidFill>
+              <a:schemeClr val="tx1"/>
+            </a:solidFill>
+          </a:ln>
+        </p:spPr>
+        <p:txBody>
+          <a:bodyPr wrap="none" rtlCol="0" anchor="ctr">
+            <a:spAutoFit/>
+          </a:bodyPr>
+          <a:lstStyle/>
+          <a:p>
+            <a:pPr algn="ctr"/>
+            <a:r>
+              <a:rPr lang="en-US" altLang="ko-KR" dirty="0">
+                <a:solidFill>
+                  <a:schemeClr val="bg1"/>
+                </a:solidFill>
+                <a:latin typeface="에스코어 드림 6 Bold" panose="020B0703030302020204" pitchFamily="34" charset="-127"/>
+                <a:ea typeface="에스코어 드림 6 Bold" panose="020B0703030302020204" pitchFamily="34" charset="-127"/>
+              </a:rPr>
+              <a:t>DB</a:t>
+            </a:r>
+            <a:r>
+              <a:rPr lang="ko-KR" altLang="en-US" dirty="0">
+                <a:solidFill>
+                  <a:schemeClr val="bg1"/>
+                </a:solidFill>
+                <a:latin typeface="에스코어 드림 6 Bold" panose="020B0703030302020204" pitchFamily="34" charset="-127"/>
+                <a:ea typeface="에스코어 드림 6 Bold" panose="020B0703030302020204" pitchFamily="34" charset="-127"/>
+              </a:rPr>
+              <a:t>연결하는 부분도 없는데</a:t>
+            </a:r>
+            <a:br>
+              <a:rPr lang="en-US" altLang="ko-KR" dirty="0">
+                <a:solidFill>
+                  <a:schemeClr val="bg1"/>
+                </a:solidFill>
+                <a:latin typeface="에스코어 드림 6 Bold" panose="020B0703030302020204" pitchFamily="34" charset="-127"/>
+                <a:ea typeface="에스코어 드림 6 Bold" panose="020B0703030302020204" pitchFamily="34" charset="-127"/>
+              </a:rPr>
+            </a:br>
+            <a:r>
+              <a:rPr lang="en-US" altLang="ko-KR" dirty="0">
+                <a:solidFill>
+                  <a:schemeClr val="bg1"/>
+                </a:solidFill>
+                <a:latin typeface="에스코어 드림 6 Bold" panose="020B0703030302020204" pitchFamily="34" charset="-127"/>
+                <a:ea typeface="에스코어 드림 6 Bold" panose="020B0703030302020204" pitchFamily="34" charset="-127"/>
+              </a:rPr>
+              <a:t>DB</a:t>
+            </a:r>
+            <a:r>
+              <a:rPr lang="ko-KR" altLang="en-US" dirty="0">
+                <a:solidFill>
+                  <a:schemeClr val="bg1"/>
+                </a:solidFill>
+                <a:latin typeface="에스코어 드림 6 Bold" panose="020B0703030302020204" pitchFamily="34" charset="-127"/>
+                <a:ea typeface="에스코어 드림 6 Bold" panose="020B0703030302020204" pitchFamily="34" charset="-127"/>
+              </a:rPr>
+              <a:t>에러가 발생하며 실행이 안돼요</a:t>
+            </a:r>
+          </a:p>
+        </p:txBody>
+      </p:sp>
+      <p:sp>
+        <p:nvSpPr>
+          <p:cNvPr id="2" name="TextBox 1">
+            <a:extLst>
+              <a:ext uri="{FF2B5EF4-FFF2-40B4-BE49-F238E27FC236}">
+                <a16:creationId xmlns:a16="http://schemas.microsoft.com/office/drawing/2014/main" id="{28DB230A-1278-5D05-AA1E-7160EBF4D2BA}"/>
+              </a:ext>
+            </a:extLst>
+          </p:cNvPr>
+          <p:cNvSpPr txBox="1"/>
+          <p:nvPr/>
+        </p:nvSpPr>
+        <p:spPr>
+          <a:xfrm>
+            <a:off x="230698" y="1056290"/>
+            <a:ext cx="7927170" cy="1200329"/>
+          </a:xfrm>
+          <a:prstGeom prst="rect">
+            <a:avLst/>
+          </a:prstGeom>
+          <a:noFill/>
+          <a:ln>
+            <a:solidFill>
+              <a:schemeClr val="tx1"/>
+            </a:solidFill>
+          </a:ln>
+        </p:spPr>
+        <p:txBody>
+          <a:bodyPr wrap="none" rtlCol="0">
+            <a:spAutoFit/>
+          </a:bodyPr>
+          <a:lstStyle/>
+          <a:p>
+            <a:r>
+              <a:rPr lang="en-US" altLang="ko-KR" dirty="0"/>
+              <a:t>&lt;</a:t>
+            </a:r>
+            <a:r>
+              <a:rPr lang="ko-KR" altLang="en-US" dirty="0"/>
+              <a:t>해결</a:t>
+            </a:r>
+            <a:r>
+              <a:rPr lang="en-US" altLang="ko-KR" dirty="0"/>
+              <a:t>&gt;</a:t>
+            </a:r>
+          </a:p>
+          <a:p>
+            <a:pPr marL="342900" indent="-342900">
+              <a:buFontTx/>
+              <a:buAutoNum type="arabicPeriod"/>
+            </a:pPr>
+            <a:r>
+              <a:rPr lang="en-US" altLang="ko-KR" dirty="0"/>
+              <a:t>Application.java</a:t>
+            </a:r>
+            <a:r>
+              <a:rPr lang="ko-KR" altLang="en-US" dirty="0"/>
+              <a:t>파일의 </a:t>
+            </a:r>
+            <a:r>
+              <a:rPr kumimoji="0" lang="ko-KR" altLang="ko-KR" sz="1800" b="0" i="0" u="none" strike="noStrike" cap="none" normalizeH="0" baseline="0" dirty="0">
+                <a:ln>
+                  <a:noFill/>
+                </a:ln>
+                <a:solidFill>
+                  <a:srgbClr val="B3AE60"/>
+                </a:solidFill>
+                <a:effectLst/>
+                <a:latin typeface="Arial Unicode MS"/>
+                <a:ea typeface="JetBrains Mono"/>
+              </a:rPr>
+              <a:t>@SpringBootApplication</a:t>
+            </a:r>
+            <a:r>
+              <a:rPr lang="ko-KR" altLang="en-US" dirty="0"/>
+              <a:t>변경 </a:t>
+            </a:r>
+            <a:endParaRPr lang="en-US" altLang="ko-KR" dirty="0"/>
+          </a:p>
+          <a:p>
+            <a:pPr marL="342900" indent="-342900">
+              <a:buFontTx/>
+              <a:buAutoNum type="arabicPeriod"/>
+            </a:pPr>
+            <a:r>
+              <a:rPr kumimoji="0" lang="ko-KR" altLang="ko-KR" sz="1800" b="0" i="0" u="none" strike="noStrike" cap="none" normalizeH="0" baseline="0" dirty="0">
+                <a:ln>
+                  <a:noFill/>
+                </a:ln>
+                <a:solidFill>
+                  <a:srgbClr val="B3AE60"/>
+                </a:solidFill>
+                <a:effectLst/>
+                <a:latin typeface="Arial Unicode MS"/>
+                <a:ea typeface="JetBrains Mono"/>
+              </a:rPr>
+              <a:t>@SpringBootApplication</a:t>
+            </a:r>
+            <a:r>
+              <a:rPr kumimoji="0" lang="ko-KR" altLang="ko-KR" sz="1800" b="0" i="0" u="none" strike="noStrike" cap="none" normalizeH="0" baseline="0" dirty="0">
+                <a:ln>
+                  <a:noFill/>
+                </a:ln>
+                <a:solidFill>
+                  <a:srgbClr val="BCBEC4"/>
+                </a:solidFill>
+                <a:effectLst/>
+                <a:latin typeface="Arial Unicode MS"/>
+                <a:ea typeface="JetBrains Mono"/>
+              </a:rPr>
+              <a:t>(exclude={DataSourceAutoConfiguration.</a:t>
+            </a:r>
+            <a:r>
+              <a:rPr kumimoji="0" lang="ko-KR" altLang="ko-KR" sz="1800" b="0" i="0" u="none" strike="noStrike" cap="none" normalizeH="0" baseline="0" dirty="0">
+                <a:ln>
+                  <a:noFill/>
+                </a:ln>
+                <a:solidFill>
+                  <a:srgbClr val="CF8E6D"/>
+                </a:solidFill>
+                <a:effectLst/>
+                <a:latin typeface="Arial Unicode MS"/>
+                <a:ea typeface="JetBrains Mono"/>
+              </a:rPr>
+              <a:t>class</a:t>
+            </a:r>
+            <a:r>
+              <a:rPr kumimoji="0" lang="ko-KR" altLang="ko-KR" sz="1800" b="0" i="0" u="none" strike="noStrike" cap="none" normalizeH="0" baseline="0" dirty="0">
+                <a:ln>
+                  <a:noFill/>
+                </a:ln>
+                <a:solidFill>
+                  <a:srgbClr val="BCBEC4"/>
+                </a:solidFill>
+                <a:effectLst/>
+                <a:latin typeface="Arial Unicode MS"/>
+                <a:ea typeface="JetBrains Mono"/>
+              </a:rPr>
+              <a:t>})</a:t>
+            </a:r>
+            <a:endParaRPr kumimoji="0" lang="en-US" altLang="ko-KR" sz="1800" b="0" i="0" u="none" strike="noStrike" cap="none" normalizeH="0" baseline="0" dirty="0">
+              <a:ln>
+                <a:noFill/>
+              </a:ln>
+              <a:solidFill>
+                <a:srgbClr val="BCBEC4"/>
+              </a:solidFill>
+              <a:effectLst/>
+              <a:latin typeface="Arial Unicode MS"/>
+              <a:ea typeface="JetBrains Mono"/>
+            </a:endParaRPr>
+          </a:p>
+          <a:p>
+            <a:pPr marL="342900" indent="-342900">
+              <a:buFontTx/>
+              <a:buAutoNum type="arabicPeriod"/>
+            </a:pPr>
+            <a:r>
+              <a:rPr lang="ko-KR" altLang="en-US" dirty="0">
+                <a:latin typeface="Arial Unicode MS"/>
+              </a:rPr>
+              <a:t>이후 실행하면 문제없이 실행됩니다</a:t>
+            </a:r>
+            <a:r>
+              <a:rPr lang="en-US" altLang="ko-KR" dirty="0">
+                <a:latin typeface="Arial Unicode MS"/>
+              </a:rPr>
+              <a:t>.</a:t>
+            </a:r>
+            <a:endParaRPr kumimoji="0" lang="ko-KR" altLang="ko-KR" sz="4400" b="0" i="0" u="none" strike="noStrike" cap="none" normalizeH="0" baseline="0" dirty="0">
+              <a:ln>
+                <a:noFill/>
+              </a:ln>
+              <a:effectLst/>
+              <a:latin typeface="Arial" panose="020B0604020202020204" pitchFamily="34" charset="0"/>
+            </a:endParaRPr>
+          </a:p>
+        </p:txBody>
+      </p:sp>
+      <p:sp>
+        <p:nvSpPr>
+          <p:cNvPr id="6" name="Rectangle 2">
+            <a:extLst>
+              <a:ext uri="{FF2B5EF4-FFF2-40B4-BE49-F238E27FC236}">
+                <a16:creationId xmlns:a16="http://schemas.microsoft.com/office/drawing/2014/main" id="{775847C2-EA81-0531-6E0F-7A6DE722BAAF}"/>
+              </a:ext>
+            </a:extLst>
+          </p:cNvPr>
+          <p:cNvSpPr>
+            <a:spLocks noChangeArrowheads="1"/>
+          </p:cNvSpPr>
+          <p:nvPr/>
+        </p:nvSpPr>
+        <p:spPr bwMode="auto">
+          <a:xfrm>
+            <a:off x="0" y="43934"/>
+            <a:ext cx="184731" cy="369332"/>
+          </a:xfrm>
+          <a:prstGeom prst="rect">
+            <a:avLst/>
+          </a:prstGeom>
+          <a:solidFill>
+            <a:srgbClr val="1E1F22"/>
+          </a:solidFill>
+          <a:ln>
+            <a:noFill/>
+          </a:ln>
+          <a:effectLst/>
+          <a:extLst>
+            <a:ext uri="{91240B29-F687-4F45-9708-019B960494DF}">
+              <a14:hiddenLine xmlns:a14="http://schemas.microsoft.com/office/drawing/2010/main" w="9525">
+                <a:solidFill>
+                  <a:schemeClr val="tx1"/>
+                </a:solidFill>
+                <a:miter lim="800000"/>
+                <a:headEnd/>
+                <a:tailEnd/>
+              </a14:hiddenLine>
+            </a:ext>
+            <a:ext uri="{AF507438-7753-43E0-B8FC-AC1667EBCBE1}">
+              <a14:hiddenEffects xmlns:a14="http://schemas.microsoft.com/office/drawing/2010/main">
+                <a:effectLst>
+                  <a:outerShdw dist="35921" dir="2700000" algn="ctr" rotWithShape="0">
+                    <a:schemeClr val="bg2"/>
+                  </a:outerShdw>
+                </a:effectLst>
+              </a14:hiddenEffects>
+            </a:ext>
+          </a:extLst>
+        </p:spPr>
+        <p:txBody>
+          <a:bodyPr vert="horz" wrap="none" lIns="91440" tIns="45720" rIns="91440" bIns="45720" numCol="1" anchor="ctr" anchorCtr="0" compatLnSpc="1">
+            <a:prstTxWarp prst="textNoShape">
+              <a:avLst/>
+            </a:prstTxWarp>
+            <a:spAutoFit/>
+          </a:bodyPr>
+          <a:lstStyle/>
+          <a:p>
+            <a:pPr marL="0" marR="0" lvl="0" indent="0" algn="l" defTabSz="914400" rtl="0" eaLnBrk="0" fontAlgn="base" latinLnBrk="0" hangingPunct="0">
+              <a:lnSpc>
+                <a:spcPct val="100000"/>
+              </a:lnSpc>
+              <a:spcBef>
+                <a:spcPct val="0"/>
+              </a:spcBef>
+              <a:spcAft>
+                <a:spcPct val="0"/>
+              </a:spcAft>
+              <a:buClrTx/>
+              <a:buSzTx/>
+              <a:buFontTx/>
+              <a:buNone/>
+              <a:tabLst/>
+            </a:pPr>
+            <a:endParaRPr kumimoji="0" lang="ko-KR" altLang="ko-KR" sz="1800" b="0" i="0" u="none" strike="noStrike" cap="none" normalizeH="0" baseline="0" dirty="0">
+              <a:ln>
+                <a:noFill/>
+              </a:ln>
+              <a:solidFill>
+                <a:schemeClr val="tx1"/>
+              </a:solidFill>
+              <a:effectLst/>
+              <a:latin typeface="Arial" panose="020B0604020202020204" pitchFamily="34" charset="0"/>
+            </a:endParaRPr>
+          </a:p>
+        </p:txBody>
+      </p:sp>
+    </p:spTree>
+    <p:extLst>
+      <p:ext uri="{BB962C8B-B14F-4D97-AF65-F5344CB8AC3E}">
+        <p14:creationId xmlns:p14="http://schemas.microsoft.com/office/powerpoint/2010/main" val="2808881816"/>
       </p:ext>
     </p:extLst>
   </p:cSld>
